--- a/paper/figures/workflow.pptx
+++ b/paper/figures/workflow.pptx
@@ -104,6 +104,11 @@
       </a:defRPr>
     </a:lvl9pPr>
   </p:defaultTextStyle>
+  <p:extLst>
+    <p:ext uri="{EFAFB233-063F-42B5-8137-9DF3F51BA10A}">
+      <p15:sldGuideLst xmlns:p15="http://schemas.microsoft.com/office/powerpoint/2012/main"/>
+    </p:ext>
+  </p:extLst>
 </p:presentation>
 </file>
 
@@ -3476,8 +3481,8 @@
         </p:nvSpPr>
         <p:spPr>
           <a:xfrm>
-            <a:off x="3188528" y="6195004"/>
-            <a:ext cx="2981459" cy="541268"/>
+            <a:off x="3109586" y="6174088"/>
+            <a:ext cx="3172509" cy="541268"/>
           </a:xfrm>
           <a:prstGeom prst="rect">
             <a:avLst/>
@@ -3520,7 +3525,7 @@
                 <a:latin typeface="Times New Roman" panose="02020603050405020304" pitchFamily="18" charset="0"/>
                 <a:cs typeface="Times New Roman" panose="02020603050405020304" pitchFamily="18" charset="0"/>
               </a:rPr>
-              <a:t>The allocator is possibly efficient enough and there is no need to change.</a:t>
+              <a:t>The allocator is possibly efficient enough and there is no need to change it.</a:t>
             </a:r>
             <a:endParaRPr lang="zh-CN" altLang="en-US" sz="1400" dirty="0">
               <a:solidFill>
@@ -4256,7 +4261,7 @@
         </p:nvSpPr>
         <p:spPr>
           <a:xfrm>
-            <a:off x="2432934" y="3439633"/>
+            <a:off x="2432934" y="3423861"/>
             <a:ext cx="4558990" cy="541268"/>
           </a:xfrm>
           <a:prstGeom prst="rect">
@@ -4456,7 +4461,27 @@
                 <a:latin typeface="Times New Roman" panose="02020603050405020304" pitchFamily="18" charset="0"/>
                 <a:cs typeface="Times New Roman" panose="02020603050405020304" pitchFamily="18" charset="0"/>
               </a:rPr>
-              <a:t>Does mmprof reports any lock contention issue?</a:t>
+              <a:t>Does </a:t>
+            </a:r>
+            <a:r>
+              <a:rPr lang="en-US" altLang="zh-CN" sz="1400" dirty="0" err="1">
+                <a:solidFill>
+                  <a:schemeClr val="tx1"/>
+                </a:solidFill>
+                <a:latin typeface="Times New Roman" panose="02020603050405020304" pitchFamily="18" charset="0"/>
+                <a:cs typeface="Times New Roman" panose="02020603050405020304" pitchFamily="18" charset="0"/>
+              </a:rPr>
+              <a:t>mmprof</a:t>
+            </a:r>
+            <a:r>
+              <a:rPr lang="en-US" altLang="zh-CN" sz="1400" dirty="0">
+                <a:solidFill>
+                  <a:schemeClr val="tx1"/>
+                </a:solidFill>
+                <a:latin typeface="Times New Roman" panose="02020603050405020304" pitchFamily="18" charset="0"/>
+                <a:cs typeface="Times New Roman" panose="02020603050405020304" pitchFamily="18" charset="0"/>
+              </a:rPr>
+              <a:t> report any lock contention issue?</a:t>
             </a:r>
             <a:endParaRPr lang="zh-CN" altLang="en-US" sz="1400" dirty="0">
               <a:solidFill>
@@ -4526,7 +4551,17 @@
                 <a:latin typeface="Times New Roman" panose="02020603050405020304" pitchFamily="18" charset="0"/>
                 <a:cs typeface="Times New Roman" panose="02020603050405020304" pitchFamily="18" charset="0"/>
               </a:rPr>
-              <a:t>Fix the lock contention issue by details of each lock reported by mmprof</a:t>
+              <a:t>Fix the lock contention issue by details of each lock reported from </a:t>
+            </a:r>
+            <a:r>
+              <a:rPr lang="en-US" altLang="zh-CN" sz="1400" dirty="0" err="1">
+                <a:solidFill>
+                  <a:schemeClr val="tx1"/>
+                </a:solidFill>
+                <a:latin typeface="Times New Roman" panose="02020603050405020304" pitchFamily="18" charset="0"/>
+                <a:cs typeface="Times New Roman" panose="02020603050405020304" pitchFamily="18" charset="0"/>
+              </a:rPr>
+              <a:t>mmprof</a:t>
             </a:r>
             <a:endParaRPr lang="zh-CN" altLang="en-US" sz="1400" dirty="0">
               <a:solidFill>
@@ -4598,7 +4633,7 @@
         </p:nvCxnSpPr>
         <p:spPr>
           <a:xfrm flipH="1">
-            <a:off x="4679259" y="4891838"/>
+            <a:off x="4695842" y="4891838"/>
             <a:ext cx="1" cy="374779"/>
           </a:xfrm>
           <a:prstGeom prst="straightConnector1">
@@ -4747,6 +4782,16 @@
           <a:p>
             <a:pPr algn="ctr"/>
             <a:r>
+              <a:rPr lang="en-US" altLang="zh-CN" sz="1400">
+                <a:solidFill>
+                  <a:schemeClr val="tx1"/>
+                </a:solidFill>
+                <a:latin typeface="Times New Roman" panose="02020603050405020304" pitchFamily="18" charset="0"/>
+                <a:cs typeface="Times New Roman" panose="02020603050405020304" pitchFamily="18" charset="0"/>
+              </a:rPr>
+              <a:t>Modify system call strategies </a:t>
+            </a:r>
+            <a:r>
               <a:rPr lang="en-US" altLang="zh-CN" sz="1400" dirty="0">
                 <a:solidFill>
                   <a:schemeClr val="tx1"/>
@@ -4754,7 +4799,17 @@
                 <a:latin typeface="Times New Roman" panose="02020603050405020304" pitchFamily="18" charset="0"/>
                 <a:cs typeface="Times New Roman" panose="02020603050405020304" pitchFamily="18" charset="0"/>
               </a:rPr>
-              <a:t>Modify the strategy of system calls </a:t>
+              <a:t>inside </a:t>
+            </a:r>
+            <a:r>
+              <a:rPr lang="en-US" altLang="zh-CN" sz="1400">
+                <a:solidFill>
+                  <a:schemeClr val="tx1"/>
+                </a:solidFill>
+                <a:latin typeface="Times New Roman" panose="02020603050405020304" pitchFamily="18" charset="0"/>
+                <a:cs typeface="Times New Roman" panose="02020603050405020304" pitchFamily="18" charset="0"/>
+              </a:rPr>
+              <a:t>the allocator</a:t>
             </a:r>
             <a:endParaRPr lang="zh-CN" altLang="en-US" sz="1400" dirty="0">
               <a:solidFill>
@@ -4894,25 +4949,110 @@
           </a:p>
         </p:txBody>
       </p:sp>
+      <p:sp>
+        <p:nvSpPr>
+          <p:cNvPr id="101" name="TextBox 100">
+            <a:extLst>
+              <a:ext uri="{FF2B5EF4-FFF2-40B4-BE49-F238E27FC236}">
+                <a16:creationId xmlns:a16="http://schemas.microsoft.com/office/drawing/2014/main" id="{2DB289E6-682E-4F7C-B1EF-440391048F99}"/>
+              </a:ext>
+            </a:extLst>
+          </p:cNvPr>
+          <p:cNvSpPr txBox="1"/>
+          <p:nvPr/>
+        </p:nvSpPr>
+        <p:spPr>
+          <a:xfrm>
+            <a:off x="4684085" y="5802775"/>
+            <a:ext cx="665018" cy="307777"/>
+          </a:xfrm>
+          <a:prstGeom prst="rect">
+            <a:avLst/>
+          </a:prstGeom>
+          <a:noFill/>
+        </p:spPr>
+        <p:txBody>
+          <a:bodyPr wrap="square" rtlCol="0">
+            <a:spAutoFit/>
+          </a:bodyPr>
+          <a:lstStyle/>
+          <a:p>
+            <a:r>
+              <a:rPr lang="en-US" altLang="zh-CN" sz="1400" dirty="0">
+                <a:latin typeface="Times New Roman" panose="02020603050405020304" pitchFamily="18" charset="0"/>
+                <a:cs typeface="Times New Roman" panose="02020603050405020304" pitchFamily="18" charset="0"/>
+              </a:rPr>
+              <a:t>No</a:t>
+            </a:r>
+            <a:endParaRPr lang="zh-CN" altLang="en-US" dirty="0">
+              <a:latin typeface="Times New Roman" panose="02020603050405020304" pitchFamily="18" charset="0"/>
+              <a:cs typeface="Times New Roman" panose="02020603050405020304" pitchFamily="18" charset="0"/>
+            </a:endParaRPr>
+          </a:p>
+        </p:txBody>
+      </p:sp>
       <p:cxnSp>
         <p:nvCxnSpPr>
-          <p:cNvPr id="100" name="Straight Arrow Connector 99">
-            <a:extLst>
-              <a:ext uri="{FF2B5EF4-FFF2-40B4-BE49-F238E27FC236}">
-                <a16:creationId xmlns:a16="http://schemas.microsoft.com/office/drawing/2014/main" id="{96FD04DF-14A3-41AB-84B9-07B68D9B0642}"/>
+          <p:cNvPr id="103" name="Straight Connector 102">
+            <a:extLst>
+              <a:ext uri="{FF2B5EF4-FFF2-40B4-BE49-F238E27FC236}">
+                <a16:creationId xmlns:a16="http://schemas.microsoft.com/office/drawing/2014/main" id="{5FD8C75D-76FD-45B5-A14C-B18ECDDA9AB9}"/>
               </a:ext>
             </a:extLst>
           </p:cNvPr>
           <p:cNvCxnSpPr>
-            <a:cxnSpLocks/>
-            <a:endCxn id="43" idx="0"/>
+            <a:stCxn id="5" idx="1"/>
           </p:cNvCxnSpPr>
           <p:nvPr/>
         </p:nvCxnSpPr>
         <p:spPr>
-          <a:xfrm>
-            <a:off x="4679258" y="5801820"/>
-            <a:ext cx="0" cy="393184"/>
+          <a:xfrm flipH="1">
+            <a:off x="1752600" y="937263"/>
+            <a:ext cx="680337" cy="0"/>
+          </a:xfrm>
+          <a:prstGeom prst="line">
+            <a:avLst/>
+          </a:prstGeom>
+          <a:ln w="15875">
+            <a:solidFill>
+              <a:schemeClr val="tx1"/>
+            </a:solidFill>
+          </a:ln>
+        </p:spPr>
+        <p:style>
+          <a:lnRef idx="1">
+            <a:schemeClr val="accent1"/>
+          </a:lnRef>
+          <a:fillRef idx="0">
+            <a:schemeClr val="accent1"/>
+          </a:fillRef>
+          <a:effectRef idx="0">
+            <a:schemeClr val="accent1"/>
+          </a:effectRef>
+          <a:fontRef idx="minor">
+            <a:schemeClr val="tx1"/>
+          </a:fontRef>
+        </p:style>
+      </p:cxnSp>
+      <p:cxnSp>
+        <p:nvCxnSpPr>
+          <p:cNvPr id="109" name="Straight Arrow Connector 108">
+            <a:extLst>
+              <a:ext uri="{FF2B5EF4-FFF2-40B4-BE49-F238E27FC236}">
+                <a16:creationId xmlns:a16="http://schemas.microsoft.com/office/drawing/2014/main" id="{8571D916-8F0B-4FCB-B28C-1068DEF7C1A6}"/>
+              </a:ext>
+            </a:extLst>
+          </p:cNvPr>
+          <p:cNvCxnSpPr>
+            <a:cxnSpLocks/>
+            <a:endCxn id="43" idx="1"/>
+          </p:cNvCxnSpPr>
+          <p:nvPr/>
+        </p:nvCxnSpPr>
+        <p:spPr>
+          <a:xfrm flipV="1">
+            <a:off x="1741336" y="6444722"/>
+            <a:ext cx="1368250" cy="19688"/>
           </a:xfrm>
           <a:prstGeom prst="straightConnector1">
             <a:avLst/>
@@ -4939,66 +5079,24 @@
           </a:fontRef>
         </p:style>
       </p:cxnSp>
-      <p:sp>
-        <p:nvSpPr>
-          <p:cNvPr id="101" name="TextBox 100">
-            <a:extLst>
-              <a:ext uri="{FF2B5EF4-FFF2-40B4-BE49-F238E27FC236}">
-                <a16:creationId xmlns:a16="http://schemas.microsoft.com/office/drawing/2014/main" id="{2DB289E6-682E-4F7C-B1EF-440391048F99}"/>
-              </a:ext>
-            </a:extLst>
-          </p:cNvPr>
-          <p:cNvSpPr txBox="1"/>
-          <p:nvPr/>
-        </p:nvSpPr>
-        <p:spPr>
-          <a:xfrm>
-            <a:off x="4684085" y="5802775"/>
-            <a:ext cx="665018" cy="307777"/>
-          </a:xfrm>
-          <a:prstGeom prst="rect">
-            <a:avLst/>
-          </a:prstGeom>
-          <a:noFill/>
-        </p:spPr>
-        <p:txBody>
-          <a:bodyPr wrap="square" rtlCol="0">
-            <a:spAutoFit/>
-          </a:bodyPr>
-          <a:lstStyle/>
-          <a:p>
-            <a:r>
-              <a:rPr lang="en-US" altLang="zh-CN" sz="1400" dirty="0">
-                <a:latin typeface="Times New Roman" panose="02020603050405020304" pitchFamily="18" charset="0"/>
-                <a:cs typeface="Times New Roman" panose="02020603050405020304" pitchFamily="18" charset="0"/>
-              </a:rPr>
-              <a:t>No</a:t>
-            </a:r>
-            <a:endParaRPr lang="zh-CN" altLang="en-US" dirty="0">
-              <a:latin typeface="Times New Roman" panose="02020603050405020304" pitchFamily="18" charset="0"/>
-              <a:cs typeface="Times New Roman" panose="02020603050405020304" pitchFamily="18" charset="0"/>
-            </a:endParaRPr>
-          </a:p>
-        </p:txBody>
-      </p:sp>
       <p:cxnSp>
         <p:nvCxnSpPr>
-          <p:cNvPr id="103" name="Straight Connector 102">
-            <a:extLst>
-              <a:ext uri="{FF2B5EF4-FFF2-40B4-BE49-F238E27FC236}">
-                <a16:creationId xmlns:a16="http://schemas.microsoft.com/office/drawing/2014/main" id="{5FD8C75D-76FD-45B5-A14C-B18ECDDA9AB9}"/>
+          <p:cNvPr id="111" name="Straight Connector 110">
+            <a:extLst>
+              <a:ext uri="{FF2B5EF4-FFF2-40B4-BE49-F238E27FC236}">
+                <a16:creationId xmlns:a16="http://schemas.microsoft.com/office/drawing/2014/main" id="{8BDB50B5-B3A5-4011-9B59-BC561E54214C}"/>
               </a:ext>
             </a:extLst>
           </p:cNvPr>
           <p:cNvCxnSpPr>
-            <a:stCxn id="5" idx="1"/>
+            <a:cxnSpLocks/>
           </p:cNvCxnSpPr>
           <p:nvPr/>
         </p:nvCxnSpPr>
         <p:spPr>
-          <a:xfrm flipH="1">
+          <a:xfrm>
             <a:off x="1752600" y="937263"/>
-            <a:ext cx="680337" cy="0"/>
+            <a:ext cx="0" cy="5528375"/>
           </a:xfrm>
           <a:prstGeom prst="line">
             <a:avLst/>
@@ -5026,23 +5124,22 @@
       </p:cxnSp>
       <p:cxnSp>
         <p:nvCxnSpPr>
-          <p:cNvPr id="109" name="Straight Arrow Connector 108">
-            <a:extLst>
-              <a:ext uri="{FF2B5EF4-FFF2-40B4-BE49-F238E27FC236}">
-                <a16:creationId xmlns:a16="http://schemas.microsoft.com/office/drawing/2014/main" id="{8571D916-8F0B-4FCB-B28C-1068DEF7C1A6}"/>
+          <p:cNvPr id="115" name="Straight Arrow Connector 114">
+            <a:extLst>
+              <a:ext uri="{FF2B5EF4-FFF2-40B4-BE49-F238E27FC236}">
+                <a16:creationId xmlns:a16="http://schemas.microsoft.com/office/drawing/2014/main" id="{8349738E-A359-4684-A72B-D86C60BAFD3B}"/>
               </a:ext>
             </a:extLst>
           </p:cNvPr>
           <p:cNvCxnSpPr>
             <a:cxnSpLocks/>
-            <a:endCxn id="43" idx="1"/>
           </p:cNvCxnSpPr>
           <p:nvPr/>
         </p:nvCxnSpPr>
         <p:spPr>
-          <a:xfrm>
-            <a:off x="1752600" y="6465638"/>
-            <a:ext cx="1435928" cy="0"/>
+          <a:xfrm flipH="1">
+            <a:off x="6991924" y="2226659"/>
+            <a:ext cx="487644" cy="282430"/>
           </a:xfrm>
           <a:prstGeom prst="straightConnector1">
             <a:avLst/>
@@ -5071,10 +5168,10 @@
       </p:cxnSp>
       <p:cxnSp>
         <p:nvCxnSpPr>
-          <p:cNvPr id="111" name="Straight Connector 110">
-            <a:extLst>
-              <a:ext uri="{FF2B5EF4-FFF2-40B4-BE49-F238E27FC236}">
-                <a16:creationId xmlns:a16="http://schemas.microsoft.com/office/drawing/2014/main" id="{8BDB50B5-B3A5-4011-9B59-BC561E54214C}"/>
+          <p:cNvPr id="119" name="Straight Arrow Connector 118">
+            <a:extLst>
+              <a:ext uri="{FF2B5EF4-FFF2-40B4-BE49-F238E27FC236}">
+                <a16:creationId xmlns:a16="http://schemas.microsoft.com/office/drawing/2014/main" id="{3319AEE2-8E56-4CD6-9866-2981029CE96A}"/>
               </a:ext>
             </a:extLst>
           </p:cNvPr>
@@ -5084,51 +5181,8 @@
           <p:nvPr/>
         </p:nvCxnSpPr>
         <p:spPr>
-          <a:xfrm>
-            <a:off x="1752600" y="937263"/>
-            <a:ext cx="0" cy="5528375"/>
-          </a:xfrm>
-          <a:prstGeom prst="line">
-            <a:avLst/>
-          </a:prstGeom>
-          <a:ln w="15875">
-            <a:solidFill>
-              <a:schemeClr val="tx1"/>
-            </a:solidFill>
-          </a:ln>
-        </p:spPr>
-        <p:style>
-          <a:lnRef idx="1">
-            <a:schemeClr val="accent1"/>
-          </a:lnRef>
-          <a:fillRef idx="0">
-            <a:schemeClr val="accent1"/>
-          </a:fillRef>
-          <a:effectRef idx="0">
-            <a:schemeClr val="accent1"/>
-          </a:effectRef>
-          <a:fontRef idx="minor">
-            <a:schemeClr val="tx1"/>
-          </a:fontRef>
-        </p:style>
-      </p:cxnSp>
-      <p:cxnSp>
-        <p:nvCxnSpPr>
-          <p:cNvPr id="115" name="Straight Arrow Connector 114">
-            <a:extLst>
-              <a:ext uri="{FF2B5EF4-FFF2-40B4-BE49-F238E27FC236}">
-                <a16:creationId xmlns:a16="http://schemas.microsoft.com/office/drawing/2014/main" id="{8349738E-A359-4684-A72B-D86C60BAFD3B}"/>
-              </a:ext>
-            </a:extLst>
-          </p:cNvPr>
-          <p:cNvCxnSpPr>
-            <a:cxnSpLocks/>
-          </p:cNvCxnSpPr>
-          <p:nvPr/>
-        </p:nvCxnSpPr>
-        <p:spPr>
           <a:xfrm flipH="1">
-            <a:off x="6991924" y="2226659"/>
+            <a:off x="6991924" y="3158158"/>
             <a:ext cx="487644" cy="282430"/>
           </a:xfrm>
           <a:prstGeom prst="straightConnector1">
@@ -5158,10 +5212,10 @@
       </p:cxnSp>
       <p:cxnSp>
         <p:nvCxnSpPr>
-          <p:cNvPr id="119" name="Straight Arrow Connector 118">
-            <a:extLst>
-              <a:ext uri="{FF2B5EF4-FFF2-40B4-BE49-F238E27FC236}">
-                <a16:creationId xmlns:a16="http://schemas.microsoft.com/office/drawing/2014/main" id="{3319AEE2-8E56-4CD6-9866-2981029CE96A}"/>
+          <p:cNvPr id="129" name="Straight Arrow Connector 128">
+            <a:extLst>
+              <a:ext uri="{FF2B5EF4-FFF2-40B4-BE49-F238E27FC236}">
+                <a16:creationId xmlns:a16="http://schemas.microsoft.com/office/drawing/2014/main" id="{09E0FE26-57AD-47EC-A145-A1832AA1446B}"/>
               </a:ext>
             </a:extLst>
           </p:cNvPr>
@@ -5172,8 +5226,8 @@
         </p:nvCxnSpPr>
         <p:spPr>
           <a:xfrm flipH="1">
-            <a:off x="6991924" y="3158158"/>
-            <a:ext cx="487644" cy="282430"/>
+            <a:off x="6975339" y="4990873"/>
+            <a:ext cx="537403" cy="270633"/>
           </a:xfrm>
           <a:prstGeom prst="straightConnector1">
             <a:avLst/>
@@ -5202,10 +5256,54 @@
       </p:cxnSp>
       <p:cxnSp>
         <p:nvCxnSpPr>
-          <p:cNvPr id="129" name="Straight Arrow Connector 128">
-            <a:extLst>
-              <a:ext uri="{FF2B5EF4-FFF2-40B4-BE49-F238E27FC236}">
-                <a16:creationId xmlns:a16="http://schemas.microsoft.com/office/drawing/2014/main" id="{09E0FE26-57AD-47EC-A145-A1832AA1446B}"/>
+          <p:cNvPr id="140" name="Straight Connector 139">
+            <a:extLst>
+              <a:ext uri="{FF2B5EF4-FFF2-40B4-BE49-F238E27FC236}">
+                <a16:creationId xmlns:a16="http://schemas.microsoft.com/office/drawing/2014/main" id="{2657EE9F-D090-4884-9192-3FD29E24E929}"/>
+              </a:ext>
+            </a:extLst>
+          </p:cNvPr>
+          <p:cNvCxnSpPr>
+            <a:cxnSpLocks/>
+            <a:stCxn id="95" idx="2"/>
+          </p:cNvCxnSpPr>
+          <p:nvPr/>
+        </p:nvCxnSpPr>
+        <p:spPr>
+          <a:xfrm>
+            <a:off x="8948052" y="5905410"/>
+            <a:ext cx="0" cy="539312"/>
+          </a:xfrm>
+          <a:prstGeom prst="line">
+            <a:avLst/>
+          </a:prstGeom>
+          <a:ln w="15875">
+            <a:solidFill>
+              <a:schemeClr val="tx1"/>
+            </a:solidFill>
+          </a:ln>
+        </p:spPr>
+        <p:style>
+          <a:lnRef idx="1">
+            <a:schemeClr val="accent1"/>
+          </a:lnRef>
+          <a:fillRef idx="0">
+            <a:schemeClr val="accent1"/>
+          </a:fillRef>
+          <a:effectRef idx="0">
+            <a:schemeClr val="accent1"/>
+          </a:effectRef>
+          <a:fontRef idx="minor">
+            <a:schemeClr val="tx1"/>
+          </a:fontRef>
+        </p:style>
+      </p:cxnSp>
+      <p:cxnSp>
+        <p:nvCxnSpPr>
+          <p:cNvPr id="142" name="Straight Arrow Connector 141">
+            <a:extLst>
+              <a:ext uri="{FF2B5EF4-FFF2-40B4-BE49-F238E27FC236}">
+                <a16:creationId xmlns:a16="http://schemas.microsoft.com/office/drawing/2014/main" id="{8B2B16C6-6C65-468F-A4C7-3053E902AFC1}"/>
               </a:ext>
             </a:extLst>
           </p:cNvPr>
@@ -5216,8 +5314,8 @@
         </p:nvCxnSpPr>
         <p:spPr>
           <a:xfrm flipH="1">
-            <a:off x="6975339" y="4990873"/>
-            <a:ext cx="537403" cy="270633"/>
+            <a:off x="6282095" y="6444722"/>
+            <a:ext cx="2665956" cy="0"/>
           </a:xfrm>
           <a:prstGeom prst="straightConnector1">
             <a:avLst/>
@@ -5244,67 +5342,66 @@
           </a:fontRef>
         </p:style>
       </p:cxnSp>
+      <p:sp>
+        <p:nvSpPr>
+          <p:cNvPr id="144" name="TextBox 143">
+            <a:extLst>
+              <a:ext uri="{FF2B5EF4-FFF2-40B4-BE49-F238E27FC236}">
+                <a16:creationId xmlns:a16="http://schemas.microsoft.com/office/drawing/2014/main" id="{7507BB76-EA87-4A7A-9D76-60B1C1DF3515}"/>
+              </a:ext>
+            </a:extLst>
+          </p:cNvPr>
+          <p:cNvSpPr txBox="1"/>
+          <p:nvPr/>
+        </p:nvSpPr>
+        <p:spPr>
+          <a:xfrm>
+            <a:off x="6997638" y="4318786"/>
+            <a:ext cx="665018" cy="307777"/>
+          </a:xfrm>
+          <a:prstGeom prst="rect">
+            <a:avLst/>
+          </a:prstGeom>
+          <a:noFill/>
+        </p:spPr>
+        <p:txBody>
+          <a:bodyPr wrap="square" rtlCol="0">
+            <a:spAutoFit/>
+          </a:bodyPr>
+          <a:lstStyle/>
+          <a:p>
+            <a:r>
+              <a:rPr lang="en-US" altLang="zh-CN" sz="1400" dirty="0">
+                <a:latin typeface="Times New Roman" panose="02020603050405020304" pitchFamily="18" charset="0"/>
+                <a:cs typeface="Times New Roman" panose="02020603050405020304" pitchFamily="18" charset="0"/>
+              </a:rPr>
+              <a:t>Yes</a:t>
+            </a:r>
+            <a:endParaRPr lang="zh-CN" altLang="en-US" dirty="0">
+              <a:latin typeface="Times New Roman" panose="02020603050405020304" pitchFamily="18" charset="0"/>
+              <a:cs typeface="Times New Roman" panose="02020603050405020304" pitchFamily="18" charset="0"/>
+            </a:endParaRPr>
+          </a:p>
+        </p:txBody>
+      </p:sp>
       <p:cxnSp>
         <p:nvCxnSpPr>
-          <p:cNvPr id="140" name="Straight Connector 139">
-            <a:extLst>
-              <a:ext uri="{FF2B5EF4-FFF2-40B4-BE49-F238E27FC236}">
-                <a16:creationId xmlns:a16="http://schemas.microsoft.com/office/drawing/2014/main" id="{2657EE9F-D090-4884-9192-3FD29E24E929}"/>
+          <p:cNvPr id="52" name="Straight Arrow Connector 51">
+            <a:extLst>
+              <a:ext uri="{FF2B5EF4-FFF2-40B4-BE49-F238E27FC236}">
+                <a16:creationId xmlns:a16="http://schemas.microsoft.com/office/drawing/2014/main" id="{FF2A3D3D-AB19-4FF6-9BED-F254B2A0A1E5}"/>
               </a:ext>
             </a:extLst>
           </p:cNvPr>
           <p:cNvCxnSpPr>
-            <a:stCxn id="95" idx="2"/>
+            <a:cxnSpLocks/>
           </p:cNvCxnSpPr>
           <p:nvPr/>
         </p:nvCxnSpPr>
         <p:spPr>
           <a:xfrm flipH="1">
-            <a:off x="8948051" y="5905410"/>
-            <a:ext cx="1" cy="560228"/>
-          </a:xfrm>
-          <a:prstGeom prst="line">
-            <a:avLst/>
-          </a:prstGeom>
-          <a:ln w="15875">
-            <a:solidFill>
-              <a:schemeClr val="tx1"/>
-            </a:solidFill>
-          </a:ln>
-        </p:spPr>
-        <p:style>
-          <a:lnRef idx="1">
-            <a:schemeClr val="accent1"/>
-          </a:lnRef>
-          <a:fillRef idx="0">
-            <a:schemeClr val="accent1"/>
-          </a:fillRef>
-          <a:effectRef idx="0">
-            <a:schemeClr val="accent1"/>
-          </a:effectRef>
-          <a:fontRef idx="minor">
-            <a:schemeClr val="tx1"/>
-          </a:fontRef>
-        </p:style>
-      </p:cxnSp>
-      <p:cxnSp>
-        <p:nvCxnSpPr>
-          <p:cNvPr id="142" name="Straight Arrow Connector 141">
-            <a:extLst>
-              <a:ext uri="{FF2B5EF4-FFF2-40B4-BE49-F238E27FC236}">
-                <a16:creationId xmlns:a16="http://schemas.microsoft.com/office/drawing/2014/main" id="{8B2B16C6-6C65-468F-A4C7-3053E902AFC1}"/>
-              </a:ext>
-            </a:extLst>
-          </p:cNvPr>
-          <p:cNvCxnSpPr>
-            <a:endCxn id="43" idx="3"/>
-          </p:cNvCxnSpPr>
-          <p:nvPr/>
-        </p:nvCxnSpPr>
-        <p:spPr>
-          <a:xfrm flipH="1">
-            <a:off x="6169987" y="6465638"/>
-            <a:ext cx="2778064" cy="0"/>
+            <a:off x="4695841" y="5797646"/>
+            <a:ext cx="1" cy="374779"/>
           </a:xfrm>
           <a:prstGeom prst="straightConnector1">
             <a:avLst/>
@@ -5331,48 +5428,6 @@
           </a:fontRef>
         </p:style>
       </p:cxnSp>
-      <p:sp>
-        <p:nvSpPr>
-          <p:cNvPr id="144" name="TextBox 143">
-            <a:extLst>
-              <a:ext uri="{FF2B5EF4-FFF2-40B4-BE49-F238E27FC236}">
-                <a16:creationId xmlns:a16="http://schemas.microsoft.com/office/drawing/2014/main" id="{7507BB76-EA87-4A7A-9D76-60B1C1DF3515}"/>
-              </a:ext>
-            </a:extLst>
-          </p:cNvPr>
-          <p:cNvSpPr txBox="1"/>
-          <p:nvPr/>
-        </p:nvSpPr>
-        <p:spPr>
-          <a:xfrm>
-            <a:off x="6997638" y="4318786"/>
-            <a:ext cx="665018" cy="307777"/>
-          </a:xfrm>
-          <a:prstGeom prst="rect">
-            <a:avLst/>
-          </a:prstGeom>
-          <a:noFill/>
-        </p:spPr>
-        <p:txBody>
-          <a:bodyPr wrap="square" rtlCol="0">
-            <a:spAutoFit/>
-          </a:bodyPr>
-          <a:lstStyle/>
-          <a:p>
-            <a:r>
-              <a:rPr lang="en-US" altLang="zh-CN" sz="1400" dirty="0">
-                <a:latin typeface="Times New Roman" panose="02020603050405020304" pitchFamily="18" charset="0"/>
-                <a:cs typeface="Times New Roman" panose="02020603050405020304" pitchFamily="18" charset="0"/>
-              </a:rPr>
-              <a:t>Yes</a:t>
-            </a:r>
-            <a:endParaRPr lang="zh-CN" altLang="en-US" dirty="0">
-              <a:latin typeface="Times New Roman" panose="02020603050405020304" pitchFamily="18" charset="0"/>
-              <a:cs typeface="Times New Roman" panose="02020603050405020304" pitchFamily="18" charset="0"/>
-            </a:endParaRPr>
-          </a:p>
-        </p:txBody>
-      </p:sp>
     </p:spTree>
     <p:extLst>
       <p:ext uri="{BB962C8B-B14F-4D97-AF65-F5344CB8AC3E}">

--- a/paper/figures/workflow.pptx
+++ b/paper/figures/workflow.pptx
@@ -3439,7 +3439,7 @@
         </p:nvSpPr>
         <p:spPr>
           <a:xfrm>
-            <a:off x="2005445" y="634285"/>
+            <a:off x="2005445" y="666020"/>
             <a:ext cx="665018" cy="307777"/>
           </a:xfrm>
           <a:prstGeom prst="rect">
@@ -3838,7 +3838,27 @@
                 <a:latin typeface="Times New Roman" panose="02020603050405020304" pitchFamily="18" charset="0"/>
                 <a:cs typeface="Times New Roman" panose="02020603050405020304" pitchFamily="18" charset="0"/>
               </a:rPr>
-              <a:t>Fix the issue until mmprof reports no active/passive false sharing issues on cache-thrash and cache-scratch</a:t>
+              <a:t>Fix the issue until mmprof reports no active/passive false </a:t>
+            </a:r>
+            <a:r>
+              <a:rPr lang="en-US" altLang="zh-CN" sz="1400">
+                <a:solidFill>
+                  <a:schemeClr val="tx1"/>
+                </a:solidFill>
+                <a:latin typeface="Times New Roman" panose="02020603050405020304" pitchFamily="18" charset="0"/>
+                <a:cs typeface="Times New Roman" panose="02020603050405020304" pitchFamily="18" charset="0"/>
+              </a:rPr>
+              <a:t>sharing issue </a:t>
+            </a:r>
+            <a:r>
+              <a:rPr lang="en-US" altLang="zh-CN" sz="1400" dirty="0">
+                <a:solidFill>
+                  <a:schemeClr val="tx1"/>
+                </a:solidFill>
+                <a:latin typeface="Times New Roman" panose="02020603050405020304" pitchFamily="18" charset="0"/>
+                <a:cs typeface="Times New Roman" panose="02020603050405020304" pitchFamily="18" charset="0"/>
+              </a:rPr>
+              <a:t>on cache-thrash and cache-scratch</a:t>
             </a:r>
             <a:endParaRPr lang="zh-CN" altLang="en-US" sz="1400" dirty="0">
               <a:solidFill>
@@ -5428,6 +5448,93 @@
           </a:fontRef>
         </p:style>
       </p:cxnSp>
+      <p:cxnSp>
+        <p:nvCxnSpPr>
+          <p:cNvPr id="3" name="Straight Arrow Connector 2">
+            <a:extLst>
+              <a:ext uri="{FF2B5EF4-FFF2-40B4-BE49-F238E27FC236}">
+                <a16:creationId xmlns:a16="http://schemas.microsoft.com/office/drawing/2014/main" id="{0D6F26D5-C9CD-4BEC-B40E-18BF021664AE}"/>
+              </a:ext>
+            </a:extLst>
+          </p:cNvPr>
+          <p:cNvCxnSpPr>
+            <a:cxnSpLocks/>
+            <a:stCxn id="83" idx="1"/>
+          </p:cNvCxnSpPr>
+          <p:nvPr/>
+        </p:nvCxnSpPr>
+        <p:spPr>
+          <a:xfrm flipH="1">
+            <a:off x="1752600" y="3694495"/>
+            <a:ext cx="680334" cy="0"/>
+          </a:xfrm>
+          <a:prstGeom prst="straightConnector1">
+            <a:avLst/>
+          </a:prstGeom>
+          <a:ln w="15875">
+            <a:solidFill>
+              <a:schemeClr val="tx1"/>
+            </a:solidFill>
+            <a:tailEnd type="triangle"/>
+          </a:ln>
+        </p:spPr>
+        <p:style>
+          <a:lnRef idx="1">
+            <a:schemeClr val="accent1"/>
+          </a:lnRef>
+          <a:fillRef idx="0">
+            <a:schemeClr val="accent1"/>
+          </a:fillRef>
+          <a:effectRef idx="0">
+            <a:schemeClr val="accent1"/>
+          </a:effectRef>
+          <a:fontRef idx="minor">
+            <a:schemeClr val="tx1"/>
+          </a:fontRef>
+        </p:style>
+      </p:cxnSp>
+      <p:sp>
+        <p:nvSpPr>
+          <p:cNvPr id="6" name="TextBox 5">
+            <a:extLst>
+              <a:ext uri="{FF2B5EF4-FFF2-40B4-BE49-F238E27FC236}">
+                <a16:creationId xmlns:a16="http://schemas.microsoft.com/office/drawing/2014/main" id="{23312F56-FA65-4B02-9C5B-D2B4F2FA84CC}"/>
+              </a:ext>
+            </a:extLst>
+          </p:cNvPr>
+          <p:cNvSpPr txBox="1"/>
+          <p:nvPr/>
+        </p:nvSpPr>
+        <p:spPr>
+          <a:xfrm>
+            <a:off x="2005445" y="3420322"/>
+            <a:ext cx="665018" cy="307777"/>
+          </a:xfrm>
+          <a:prstGeom prst="rect">
+            <a:avLst/>
+          </a:prstGeom>
+          <a:noFill/>
+        </p:spPr>
+        <p:txBody>
+          <a:bodyPr wrap="square" rtlCol="0">
+            <a:spAutoFit/>
+          </a:bodyPr>
+          <a:lstStyle/>
+          <a:p>
+            <a:r>
+              <a:rPr lang="en-US" altLang="zh-CN" sz="1400" dirty="0">
+                <a:latin typeface="Times New Roman" panose="02020603050405020304" pitchFamily="18" charset="0"/>
+                <a:cs typeface="Times New Roman" panose="02020603050405020304" pitchFamily="18" charset="0"/>
+              </a:rPr>
+              <a:t>Yes</a:t>
+            </a:r>
+            <a:endParaRPr lang="zh-CN" altLang="en-US" dirty="0">
+              <a:latin typeface="Times New Roman" panose="02020603050405020304" pitchFamily="18" charset="0"/>
+              <a:cs typeface="Times New Roman" panose="02020603050405020304" pitchFamily="18" charset="0"/>
+            </a:endParaRPr>
+          </a:p>
+        </p:txBody>
+      </p:sp>
     </p:spTree>
     <p:extLst>
       <p:ext uri="{BB962C8B-B14F-4D97-AF65-F5344CB8AC3E}">

--- a/paper/figures/workflow.pptx
+++ b/paper/figures/workflow.pptx
@@ -5,7 +5,9 @@
     <p:sldMasterId id="2147483648" r:id="rId1"/>
   </p:sldMasterIdLst>
   <p:sldIdLst>
-    <p:sldId id="256" r:id="rId2"/>
+    <p:sldId id="259" r:id="rId2"/>
+    <p:sldId id="258" r:id="rId3"/>
+    <p:sldId id="256" r:id="rId4"/>
   </p:sldIdLst>
   <p:sldSz cx="12192000" cy="6858000"/>
   <p:notesSz cx="6858000" cy="9144000"/>
@@ -3333,14 +3335,2260 @@
 <file path=ppt/slides/slide1.xml><?xml version="1.0" encoding="utf-8"?>
 <p:sld xmlns:a="http://schemas.openxmlformats.org/drawingml/2006/main" xmlns:r="http://schemas.openxmlformats.org/officeDocument/2006/relationships" xmlns:p="http://schemas.openxmlformats.org/presentationml/2006/main">
   <p:cSld>
-    <p:bg>
-      <p:bgPr>
-        <a:solidFill>
-          <a:schemeClr val="bg1"/>
-        </a:solidFill>
-        <a:effectLst/>
-      </p:bgPr>
-    </p:bg>
+    <p:spTree>
+      <p:nvGrpSpPr>
+        <p:cNvPr id="1" name=""/>
+        <p:cNvGrpSpPr/>
+        <p:nvPr/>
+      </p:nvGrpSpPr>
+      <p:grpSpPr>
+        <a:xfrm>
+          <a:off x="0" y="0"/>
+          <a:ext cx="0" cy="0"/>
+          <a:chOff x="0" y="0"/>
+          <a:chExt cx="0" cy="0"/>
+        </a:xfrm>
+      </p:grpSpPr>
+      <p:grpSp>
+        <p:nvGrpSpPr>
+          <p:cNvPr id="160" name="Group 159">
+            <a:extLst>
+              <a:ext uri="{FF2B5EF4-FFF2-40B4-BE49-F238E27FC236}">
+                <a16:creationId xmlns:a16="http://schemas.microsoft.com/office/drawing/2014/main" id="{46A431D9-67F1-48FF-BEEC-A2CC15686961}"/>
+              </a:ext>
+            </a:extLst>
+          </p:cNvPr>
+          <p:cNvGrpSpPr/>
+          <p:nvPr/>
+        </p:nvGrpSpPr>
+        <p:grpSpPr>
+          <a:xfrm>
+            <a:off x="942109" y="51112"/>
+            <a:ext cx="10899988" cy="6806888"/>
+            <a:chOff x="674255" y="98136"/>
+            <a:chExt cx="10899988" cy="6806888"/>
+          </a:xfrm>
+        </p:grpSpPr>
+        <p:sp>
+          <p:nvSpPr>
+            <p:cNvPr id="43" name="Rectangle 42">
+              <a:extLst>
+                <a:ext uri="{FF2B5EF4-FFF2-40B4-BE49-F238E27FC236}">
+                  <a16:creationId xmlns:a16="http://schemas.microsoft.com/office/drawing/2014/main" id="{C88DF3C5-92F1-41E1-930E-0AAEC16E07F6}"/>
+                </a:ext>
+              </a:extLst>
+            </p:cNvPr>
+            <p:cNvSpPr/>
+            <p:nvPr/>
+          </p:nvSpPr>
+          <p:spPr>
+            <a:xfrm>
+              <a:off x="1147790" y="6363756"/>
+              <a:ext cx="3518268" cy="541268"/>
+            </a:xfrm>
+            <a:prstGeom prst="rect">
+              <a:avLst/>
+            </a:prstGeom>
+            <a:solidFill>
+              <a:schemeClr val="bg1"/>
+            </a:solidFill>
+            <a:ln w="22225">
+              <a:solidFill>
+                <a:schemeClr val="tx1"/>
+              </a:solidFill>
+            </a:ln>
+          </p:spPr>
+          <p:style>
+            <a:lnRef idx="2">
+              <a:schemeClr val="accent1">
+                <a:shade val="50000"/>
+              </a:schemeClr>
+            </a:lnRef>
+            <a:fillRef idx="1">
+              <a:schemeClr val="accent1"/>
+            </a:fillRef>
+            <a:effectRef idx="0">
+              <a:schemeClr val="accent1"/>
+            </a:effectRef>
+            <a:fontRef idx="minor">
+              <a:schemeClr val="lt1"/>
+            </a:fontRef>
+          </p:style>
+          <p:txBody>
+            <a:bodyPr rtlCol="0" anchor="ctr"/>
+            <a:lstStyle/>
+            <a:p>
+              <a:pPr algn="ctr"/>
+              <a:r>
+                <a:rPr lang="en-US" altLang="zh-CN" sz="1600" dirty="0">
+                  <a:solidFill>
+                    <a:schemeClr val="tx1"/>
+                  </a:solidFill>
+                  <a:latin typeface="Times New Roman" panose="02020603050405020304" pitchFamily="18" charset="0"/>
+                  <a:cs typeface="Times New Roman" panose="02020603050405020304" pitchFamily="18" charset="0"/>
+                </a:rPr>
+                <a:t>The allocator is possibly efficient enough and there is no need to change it.</a:t>
+              </a:r>
+              <a:endParaRPr lang="zh-CN" altLang="en-US" sz="1600" dirty="0">
+                <a:solidFill>
+                  <a:schemeClr val="tx1"/>
+                </a:solidFill>
+                <a:latin typeface="Times New Roman" panose="02020603050405020304" pitchFamily="18" charset="0"/>
+                <a:cs typeface="Times New Roman" panose="02020603050405020304" pitchFamily="18" charset="0"/>
+              </a:endParaRPr>
+            </a:p>
+          </p:txBody>
+        </p:sp>
+        <p:cxnSp>
+          <p:nvCxnSpPr>
+            <p:cNvPr id="47" name="Straight Arrow Connector 46">
+              <a:extLst>
+                <a:ext uri="{FF2B5EF4-FFF2-40B4-BE49-F238E27FC236}">
+                  <a16:creationId xmlns:a16="http://schemas.microsoft.com/office/drawing/2014/main" id="{DA825557-D084-40CB-90F1-3D535665B1A3}"/>
+                </a:ext>
+              </a:extLst>
+            </p:cNvPr>
+            <p:cNvCxnSpPr>
+              <a:cxnSpLocks/>
+            </p:cNvCxnSpPr>
+            <p:nvPr/>
+          </p:nvCxnSpPr>
+          <p:spPr>
+            <a:xfrm flipH="1">
+              <a:off x="2906924" y="991736"/>
+              <a:ext cx="1" cy="374779"/>
+            </a:xfrm>
+            <a:prstGeom prst="straightConnector1">
+              <a:avLst/>
+            </a:prstGeom>
+            <a:ln w="15875">
+              <a:solidFill>
+                <a:schemeClr val="tx1"/>
+              </a:solidFill>
+              <a:tailEnd type="triangle"/>
+            </a:ln>
+          </p:spPr>
+          <p:style>
+            <a:lnRef idx="1">
+              <a:schemeClr val="accent1"/>
+            </a:lnRef>
+            <a:fillRef idx="0">
+              <a:schemeClr val="accent1"/>
+            </a:fillRef>
+            <a:effectRef idx="0">
+              <a:schemeClr val="accent1"/>
+            </a:effectRef>
+            <a:fontRef idx="minor">
+              <a:schemeClr val="tx1"/>
+            </a:fontRef>
+          </p:style>
+        </p:cxnSp>
+        <p:sp>
+          <p:nvSpPr>
+            <p:cNvPr id="77" name="Rectangle 76">
+              <a:extLst>
+                <a:ext uri="{FF2B5EF4-FFF2-40B4-BE49-F238E27FC236}">
+                  <a16:creationId xmlns:a16="http://schemas.microsoft.com/office/drawing/2014/main" id="{93B36724-58F2-4DCA-8627-C6622034042C}"/>
+                </a:ext>
+              </a:extLst>
+            </p:cNvPr>
+            <p:cNvSpPr/>
+            <p:nvPr/>
+          </p:nvSpPr>
+          <p:spPr>
+            <a:xfrm>
+              <a:off x="4998740" y="2653782"/>
+              <a:ext cx="3203303" cy="746698"/>
+            </a:xfrm>
+            <a:prstGeom prst="rect">
+              <a:avLst/>
+            </a:prstGeom>
+            <a:solidFill>
+              <a:schemeClr val="bg1"/>
+            </a:solidFill>
+            <a:ln w="22225">
+              <a:solidFill>
+                <a:schemeClr val="tx1"/>
+              </a:solidFill>
+            </a:ln>
+          </p:spPr>
+          <p:style>
+            <a:lnRef idx="2">
+              <a:schemeClr val="accent1">
+                <a:shade val="50000"/>
+              </a:schemeClr>
+            </a:lnRef>
+            <a:fillRef idx="1">
+              <a:schemeClr val="accent1"/>
+            </a:fillRef>
+            <a:effectRef idx="0">
+              <a:schemeClr val="accent1"/>
+            </a:effectRef>
+            <a:fontRef idx="minor">
+              <a:schemeClr val="lt1"/>
+            </a:fontRef>
+          </p:style>
+          <p:txBody>
+            <a:bodyPr rtlCol="0" anchor="ctr"/>
+            <a:lstStyle/>
+            <a:p>
+              <a:pPr algn="ctr"/>
+              <a:r>
+                <a:rPr lang="en-US" altLang="zh-CN" sz="1600" dirty="0">
+                  <a:solidFill>
+                    <a:schemeClr val="tx1"/>
+                  </a:solidFill>
+                  <a:latin typeface="Times New Roman" panose="02020603050405020304" pitchFamily="18" charset="0"/>
+                  <a:cs typeface="Times New Roman" panose="02020603050405020304" pitchFamily="18" charset="0"/>
+                </a:rPr>
+                <a:t>Improve the Implementation of Allocations</a:t>
+              </a:r>
+              <a:endParaRPr lang="zh-CN" altLang="en-US" sz="1600" dirty="0">
+                <a:solidFill>
+                  <a:schemeClr val="tx1"/>
+                </a:solidFill>
+                <a:latin typeface="Times New Roman" panose="02020603050405020304" pitchFamily="18" charset="0"/>
+                <a:cs typeface="Times New Roman" panose="02020603050405020304" pitchFamily="18" charset="0"/>
+              </a:endParaRPr>
+            </a:p>
+          </p:txBody>
+        </p:sp>
+        <p:cxnSp>
+          <p:nvCxnSpPr>
+            <p:cNvPr id="78" name="Straight Arrow Connector 77">
+              <a:extLst>
+                <a:ext uri="{FF2B5EF4-FFF2-40B4-BE49-F238E27FC236}">
+                  <a16:creationId xmlns:a16="http://schemas.microsoft.com/office/drawing/2014/main" id="{3629CFA7-3F22-492E-AC6B-1DCAAF9BC9FF}"/>
+                </a:ext>
+              </a:extLst>
+            </p:cNvPr>
+            <p:cNvCxnSpPr/>
+            <p:nvPr/>
+          </p:nvCxnSpPr>
+          <p:spPr>
+            <a:xfrm>
+              <a:off x="4511097" y="3050723"/>
+              <a:ext cx="487644" cy="0"/>
+            </a:xfrm>
+            <a:prstGeom prst="straightConnector1">
+              <a:avLst/>
+            </a:prstGeom>
+            <a:ln w="15875">
+              <a:solidFill>
+                <a:schemeClr val="tx1"/>
+              </a:solidFill>
+              <a:tailEnd type="triangle"/>
+            </a:ln>
+          </p:spPr>
+          <p:style>
+            <a:lnRef idx="1">
+              <a:schemeClr val="accent1"/>
+            </a:lnRef>
+            <a:fillRef idx="0">
+              <a:schemeClr val="accent1"/>
+            </a:fillRef>
+            <a:effectRef idx="0">
+              <a:schemeClr val="accent1"/>
+            </a:effectRef>
+            <a:fontRef idx="minor">
+              <a:schemeClr val="tx1"/>
+            </a:fontRef>
+          </p:style>
+        </p:cxnSp>
+        <p:sp>
+          <p:nvSpPr>
+            <p:cNvPr id="101" name="TextBox 100">
+              <a:extLst>
+                <a:ext uri="{FF2B5EF4-FFF2-40B4-BE49-F238E27FC236}">
+                  <a16:creationId xmlns:a16="http://schemas.microsoft.com/office/drawing/2014/main" id="{2DB289E6-682E-4F7C-B1EF-440391048F99}"/>
+                </a:ext>
+              </a:extLst>
+            </p:cNvPr>
+            <p:cNvSpPr txBox="1"/>
+            <p:nvPr/>
+          </p:nvSpPr>
+          <p:spPr>
+            <a:xfrm>
+              <a:off x="2586173" y="5243191"/>
+              <a:ext cx="665018" cy="307777"/>
+            </a:xfrm>
+            <a:prstGeom prst="rect">
+              <a:avLst/>
+            </a:prstGeom>
+            <a:noFill/>
+          </p:spPr>
+          <p:txBody>
+            <a:bodyPr wrap="square" rtlCol="0">
+              <a:spAutoFit/>
+            </a:bodyPr>
+            <a:lstStyle/>
+            <a:p>
+              <a:r>
+                <a:rPr lang="en-US" altLang="zh-CN" sz="1400" dirty="0">
+                  <a:latin typeface="Times New Roman" panose="02020603050405020304" pitchFamily="18" charset="0"/>
+                  <a:cs typeface="Times New Roman" panose="02020603050405020304" pitchFamily="18" charset="0"/>
+                </a:rPr>
+                <a:t>N</a:t>
+              </a:r>
+              <a:endParaRPr lang="zh-CN" altLang="en-US" dirty="0">
+                <a:latin typeface="Times New Roman" panose="02020603050405020304" pitchFamily="18" charset="0"/>
+                <a:cs typeface="Times New Roman" panose="02020603050405020304" pitchFamily="18" charset="0"/>
+              </a:endParaRPr>
+            </a:p>
+          </p:txBody>
+        </p:sp>
+        <p:cxnSp>
+          <p:nvCxnSpPr>
+            <p:cNvPr id="52" name="Straight Arrow Connector 51">
+              <a:extLst>
+                <a:ext uri="{FF2B5EF4-FFF2-40B4-BE49-F238E27FC236}">
+                  <a16:creationId xmlns:a16="http://schemas.microsoft.com/office/drawing/2014/main" id="{FF2A3D3D-AB19-4FF6-9BED-F254B2A0A1E5}"/>
+                </a:ext>
+              </a:extLst>
+            </p:cNvPr>
+            <p:cNvCxnSpPr>
+              <a:cxnSpLocks/>
+              <a:stCxn id="22" idx="2"/>
+              <a:endCxn id="43" idx="0"/>
+            </p:cNvCxnSpPr>
+            <p:nvPr/>
+          </p:nvCxnSpPr>
+          <p:spPr>
+            <a:xfrm flipH="1">
+              <a:off x="2906924" y="4740331"/>
+              <a:ext cx="1" cy="1623425"/>
+            </a:xfrm>
+            <a:prstGeom prst="straightConnector1">
+              <a:avLst/>
+            </a:prstGeom>
+            <a:ln w="15875">
+              <a:solidFill>
+                <a:schemeClr val="tx1"/>
+              </a:solidFill>
+              <a:tailEnd type="triangle"/>
+            </a:ln>
+          </p:spPr>
+          <p:style>
+            <a:lnRef idx="1">
+              <a:schemeClr val="accent1"/>
+            </a:lnRef>
+            <a:fillRef idx="0">
+              <a:schemeClr val="accent1"/>
+            </a:fillRef>
+            <a:effectRef idx="0">
+              <a:schemeClr val="accent1"/>
+            </a:effectRef>
+            <a:fontRef idx="minor">
+              <a:schemeClr val="tx1"/>
+            </a:fontRef>
+          </p:style>
+        </p:cxnSp>
+        <p:sp>
+          <p:nvSpPr>
+            <p:cNvPr id="48" name="Rectangle 47">
+              <a:extLst>
+                <a:ext uri="{FF2B5EF4-FFF2-40B4-BE49-F238E27FC236}">
+                  <a16:creationId xmlns:a16="http://schemas.microsoft.com/office/drawing/2014/main" id="{A976FF57-DE6D-486A-979A-C6B452EBF3A2}"/>
+                </a:ext>
+              </a:extLst>
+            </p:cNvPr>
+            <p:cNvSpPr/>
+            <p:nvPr/>
+          </p:nvSpPr>
+          <p:spPr>
+            <a:xfrm>
+              <a:off x="4998740" y="167048"/>
+              <a:ext cx="3203303" cy="746698"/>
+            </a:xfrm>
+            <a:prstGeom prst="rect">
+              <a:avLst/>
+            </a:prstGeom>
+            <a:solidFill>
+              <a:schemeClr val="bg1"/>
+            </a:solidFill>
+            <a:ln w="22225">
+              <a:solidFill>
+                <a:schemeClr val="tx1"/>
+              </a:solidFill>
+            </a:ln>
+          </p:spPr>
+          <p:style>
+            <a:lnRef idx="2">
+              <a:schemeClr val="accent1">
+                <a:shade val="50000"/>
+              </a:schemeClr>
+            </a:lnRef>
+            <a:fillRef idx="1">
+              <a:schemeClr val="accent1"/>
+            </a:fillRef>
+            <a:effectRef idx="0">
+              <a:schemeClr val="accent1"/>
+            </a:effectRef>
+            <a:fontRef idx="minor">
+              <a:schemeClr val="lt1"/>
+            </a:fontRef>
+          </p:style>
+          <p:txBody>
+            <a:bodyPr rtlCol="0" anchor="ctr"/>
+            <a:lstStyle/>
+            <a:p>
+              <a:pPr algn="ctr"/>
+              <a:r>
+                <a:rPr lang="en-US" altLang="zh-CN" sz="1600" dirty="0">
+                  <a:solidFill>
+                    <a:schemeClr val="tx1"/>
+                  </a:solidFill>
+                  <a:latin typeface="Times New Roman" panose="02020603050405020304" pitchFamily="18" charset="0"/>
+                  <a:cs typeface="Times New Roman" panose="02020603050405020304" pitchFamily="18" charset="0"/>
+                </a:rPr>
+                <a:t>Fix False Sharing Issues</a:t>
+              </a:r>
+              <a:endParaRPr lang="zh-CN" altLang="en-US" sz="1600" dirty="0">
+                <a:solidFill>
+                  <a:schemeClr val="tx1"/>
+                </a:solidFill>
+                <a:latin typeface="Times New Roman" panose="02020603050405020304" pitchFamily="18" charset="0"/>
+                <a:cs typeface="Times New Roman" panose="02020603050405020304" pitchFamily="18" charset="0"/>
+              </a:endParaRPr>
+            </a:p>
+          </p:txBody>
+        </p:sp>
+        <p:cxnSp>
+          <p:nvCxnSpPr>
+            <p:cNvPr id="53" name="Straight Arrow Connector 52">
+              <a:extLst>
+                <a:ext uri="{FF2B5EF4-FFF2-40B4-BE49-F238E27FC236}">
+                  <a16:creationId xmlns:a16="http://schemas.microsoft.com/office/drawing/2014/main" id="{ADE0578B-39E0-483E-82D8-3EDEE6937EB0}"/>
+                </a:ext>
+              </a:extLst>
+            </p:cNvPr>
+            <p:cNvCxnSpPr/>
+            <p:nvPr/>
+          </p:nvCxnSpPr>
+          <p:spPr>
+            <a:xfrm>
+              <a:off x="4511096" y="540397"/>
+              <a:ext cx="487644" cy="0"/>
+            </a:xfrm>
+            <a:prstGeom prst="straightConnector1">
+              <a:avLst/>
+            </a:prstGeom>
+            <a:ln w="15875">
+              <a:solidFill>
+                <a:schemeClr val="tx1"/>
+              </a:solidFill>
+              <a:tailEnd type="triangle"/>
+            </a:ln>
+          </p:spPr>
+          <p:style>
+            <a:lnRef idx="1">
+              <a:schemeClr val="accent1"/>
+            </a:lnRef>
+            <a:fillRef idx="0">
+              <a:schemeClr val="accent1"/>
+            </a:fillRef>
+            <a:effectRef idx="0">
+              <a:schemeClr val="accent1"/>
+            </a:effectRef>
+            <a:fontRef idx="minor">
+              <a:schemeClr val="tx1"/>
+            </a:fontRef>
+          </p:style>
+        </p:cxnSp>
+        <p:cxnSp>
+          <p:nvCxnSpPr>
+            <p:cNvPr id="55" name="Straight Arrow Connector 54">
+              <a:extLst>
+                <a:ext uri="{FF2B5EF4-FFF2-40B4-BE49-F238E27FC236}">
+                  <a16:creationId xmlns:a16="http://schemas.microsoft.com/office/drawing/2014/main" id="{028E806B-A611-4DA6-87F4-B9513195BC3B}"/>
+                </a:ext>
+              </a:extLst>
+            </p:cNvPr>
+            <p:cNvCxnSpPr>
+              <a:cxnSpLocks/>
+              <a:stCxn id="24" idx="3"/>
+            </p:cNvCxnSpPr>
+            <p:nvPr/>
+          </p:nvCxnSpPr>
+          <p:spPr>
+            <a:xfrm flipV="1">
+              <a:off x="8204563" y="4293014"/>
+              <a:ext cx="521124" cy="5056"/>
+            </a:xfrm>
+            <a:prstGeom prst="straightConnector1">
+              <a:avLst/>
+            </a:prstGeom>
+            <a:ln w="15875">
+              <a:solidFill>
+                <a:schemeClr val="tx1"/>
+              </a:solidFill>
+              <a:tailEnd type="triangle"/>
+            </a:ln>
+          </p:spPr>
+          <p:style>
+            <a:lnRef idx="1">
+              <a:schemeClr val="accent1"/>
+            </a:lnRef>
+            <a:fillRef idx="0">
+              <a:schemeClr val="accent1"/>
+            </a:fillRef>
+            <a:effectRef idx="0">
+              <a:schemeClr val="accent1"/>
+            </a:effectRef>
+            <a:fontRef idx="minor">
+              <a:schemeClr val="tx1"/>
+            </a:fontRef>
+          </p:style>
+        </p:cxnSp>
+        <p:sp>
+          <p:nvSpPr>
+            <p:cNvPr id="2" name="Rectangle 1">
+              <a:extLst>
+                <a:ext uri="{FF2B5EF4-FFF2-40B4-BE49-F238E27FC236}">
+                  <a16:creationId xmlns:a16="http://schemas.microsoft.com/office/drawing/2014/main" id="{434C6078-72DF-4868-9888-AFAD007BF436}"/>
+                </a:ext>
+              </a:extLst>
+            </p:cNvPr>
+            <p:cNvSpPr/>
+            <p:nvPr/>
+          </p:nvSpPr>
+          <p:spPr>
+            <a:xfrm>
+              <a:off x="8725687" y="3919665"/>
+              <a:ext cx="2848556" cy="746698"/>
+            </a:xfrm>
+            <a:prstGeom prst="rect">
+              <a:avLst/>
+            </a:prstGeom>
+            <a:solidFill>
+              <a:schemeClr val="bg1"/>
+            </a:solidFill>
+            <a:ln w="22225">
+              <a:solidFill>
+                <a:schemeClr val="tx1"/>
+              </a:solidFill>
+            </a:ln>
+          </p:spPr>
+          <p:style>
+            <a:lnRef idx="2">
+              <a:schemeClr val="accent1">
+                <a:shade val="50000"/>
+              </a:schemeClr>
+            </a:lnRef>
+            <a:fillRef idx="1">
+              <a:schemeClr val="accent1"/>
+            </a:fillRef>
+            <a:effectRef idx="0">
+              <a:schemeClr val="accent1"/>
+            </a:effectRef>
+            <a:fontRef idx="minor">
+              <a:schemeClr val="lt1"/>
+            </a:fontRef>
+          </p:style>
+          <p:txBody>
+            <a:bodyPr rtlCol="0" anchor="ctr"/>
+            <a:lstStyle/>
+            <a:p>
+              <a:pPr algn="ctr"/>
+              <a:r>
+                <a:rPr lang="en-US" altLang="zh-CN" sz="1600" dirty="0">
+                  <a:solidFill>
+                    <a:schemeClr val="tx1"/>
+                  </a:solidFill>
+                  <a:latin typeface="Times New Roman" panose="02020603050405020304" pitchFamily="18" charset="0"/>
+                  <a:cs typeface="Times New Roman" panose="02020603050405020304" pitchFamily="18" charset="0"/>
+                </a:rPr>
+                <a:t>Check and Fix Issues of Lock Contentions</a:t>
+              </a:r>
+              <a:endParaRPr lang="zh-CN" altLang="en-US" sz="1600" dirty="0">
+                <a:solidFill>
+                  <a:schemeClr val="tx1"/>
+                </a:solidFill>
+                <a:latin typeface="Times New Roman" panose="02020603050405020304" pitchFamily="18" charset="0"/>
+                <a:cs typeface="Times New Roman" panose="02020603050405020304" pitchFamily="18" charset="0"/>
+              </a:endParaRPr>
+            </a:p>
+          </p:txBody>
+        </p:sp>
+        <p:sp>
+          <p:nvSpPr>
+            <p:cNvPr id="11" name="TextBox 10">
+              <a:extLst>
+                <a:ext uri="{FF2B5EF4-FFF2-40B4-BE49-F238E27FC236}">
+                  <a16:creationId xmlns:a16="http://schemas.microsoft.com/office/drawing/2014/main" id="{816B9BF1-A95E-40AF-8C95-FA087CBD6DDD}"/>
+                </a:ext>
+              </a:extLst>
+            </p:cNvPr>
+            <p:cNvSpPr txBox="1"/>
+            <p:nvPr/>
+          </p:nvSpPr>
+          <p:spPr>
+            <a:xfrm>
+              <a:off x="2574414" y="1001984"/>
+              <a:ext cx="665018" cy="307777"/>
+            </a:xfrm>
+            <a:prstGeom prst="rect">
+              <a:avLst/>
+            </a:prstGeom>
+            <a:noFill/>
+          </p:spPr>
+          <p:txBody>
+            <a:bodyPr wrap="square" rtlCol="0">
+              <a:spAutoFit/>
+            </a:bodyPr>
+            <a:lstStyle/>
+            <a:p>
+              <a:r>
+                <a:rPr lang="en-US" altLang="zh-CN" sz="1400" dirty="0">
+                  <a:latin typeface="Times New Roman" panose="02020603050405020304" pitchFamily="18" charset="0"/>
+                  <a:cs typeface="Times New Roman" panose="02020603050405020304" pitchFamily="18" charset="0"/>
+                </a:rPr>
+                <a:t>N</a:t>
+              </a:r>
+              <a:endParaRPr lang="zh-CN" altLang="en-US" dirty="0">
+                <a:latin typeface="Times New Roman" panose="02020603050405020304" pitchFamily="18" charset="0"/>
+                <a:cs typeface="Times New Roman" panose="02020603050405020304" pitchFamily="18" charset="0"/>
+              </a:endParaRPr>
+            </a:p>
+          </p:txBody>
+        </p:sp>
+        <p:sp>
+          <p:nvSpPr>
+            <p:cNvPr id="13" name="TextBox 12">
+              <a:extLst>
+                <a:ext uri="{FF2B5EF4-FFF2-40B4-BE49-F238E27FC236}">
+                  <a16:creationId xmlns:a16="http://schemas.microsoft.com/office/drawing/2014/main" id="{D016E5A6-726B-4712-8791-88C408907C52}"/>
+                </a:ext>
+              </a:extLst>
+            </p:cNvPr>
+            <p:cNvSpPr txBox="1"/>
+            <p:nvPr/>
+          </p:nvSpPr>
+          <p:spPr>
+            <a:xfrm>
+              <a:off x="4422409" y="239080"/>
+              <a:ext cx="665018" cy="307777"/>
+            </a:xfrm>
+            <a:prstGeom prst="rect">
+              <a:avLst/>
+            </a:prstGeom>
+            <a:noFill/>
+          </p:spPr>
+          <p:txBody>
+            <a:bodyPr wrap="square" rtlCol="0">
+              <a:spAutoFit/>
+            </a:bodyPr>
+            <a:lstStyle/>
+            <a:p>
+              <a:r>
+                <a:rPr lang="en-US" altLang="zh-CN" sz="1400" dirty="0">
+                  <a:latin typeface="Times New Roman" panose="02020603050405020304" pitchFamily="18" charset="0"/>
+                  <a:cs typeface="Times New Roman" panose="02020603050405020304" pitchFamily="18" charset="0"/>
+                </a:rPr>
+                <a:t>Y</a:t>
+              </a:r>
+              <a:endParaRPr lang="zh-CN" altLang="en-US" dirty="0">
+                <a:latin typeface="Times New Roman" panose="02020603050405020304" pitchFamily="18" charset="0"/>
+                <a:cs typeface="Times New Roman" panose="02020603050405020304" pitchFamily="18" charset="0"/>
+              </a:endParaRPr>
+            </a:p>
+          </p:txBody>
+        </p:sp>
+        <p:sp>
+          <p:nvSpPr>
+            <p:cNvPr id="17" name="Flowchart: Decision 16">
+              <a:extLst>
+                <a:ext uri="{FF2B5EF4-FFF2-40B4-BE49-F238E27FC236}">
+                  <a16:creationId xmlns:a16="http://schemas.microsoft.com/office/drawing/2014/main" id="{6B88B267-F4A0-463B-B287-9C2A0FAD834E}"/>
+                </a:ext>
+              </a:extLst>
+            </p:cNvPr>
+            <p:cNvSpPr/>
+            <p:nvPr/>
+          </p:nvSpPr>
+          <p:spPr>
+            <a:xfrm>
+              <a:off x="1302753" y="98136"/>
+              <a:ext cx="3208343" cy="884522"/>
+            </a:xfrm>
+            <a:prstGeom prst="flowChartDecision">
+              <a:avLst/>
+            </a:prstGeom>
+            <a:noFill/>
+            <a:ln w="22225">
+              <a:solidFill>
+                <a:schemeClr val="tx1"/>
+              </a:solidFill>
+            </a:ln>
+          </p:spPr>
+          <p:style>
+            <a:lnRef idx="2">
+              <a:schemeClr val="accent1">
+                <a:shade val="50000"/>
+              </a:schemeClr>
+            </a:lnRef>
+            <a:fillRef idx="1">
+              <a:schemeClr val="accent1"/>
+            </a:fillRef>
+            <a:effectRef idx="0">
+              <a:schemeClr val="accent1"/>
+            </a:effectRef>
+            <a:fontRef idx="minor">
+              <a:schemeClr val="lt1"/>
+            </a:fontRef>
+          </p:style>
+          <p:txBody>
+            <a:bodyPr rtlCol="0" anchor="ctr"/>
+            <a:lstStyle/>
+            <a:p>
+              <a:pPr algn="ctr"/>
+              <a:r>
+                <a:rPr lang="en-US" altLang="zh-CN" sz="1600" dirty="0">
+                  <a:solidFill>
+                    <a:schemeClr val="tx1"/>
+                  </a:solidFill>
+                  <a:latin typeface="Times New Roman" panose="02020603050405020304" pitchFamily="18" charset="0"/>
+                  <a:cs typeface="Times New Roman" panose="02020603050405020304" pitchFamily="18" charset="0"/>
+                </a:rPr>
+                <a:t> False Sharing</a:t>
+              </a:r>
+            </a:p>
+          </p:txBody>
+        </p:sp>
+        <p:sp>
+          <p:nvSpPr>
+            <p:cNvPr id="20" name="Flowchart: Decision 19">
+              <a:extLst>
+                <a:ext uri="{FF2B5EF4-FFF2-40B4-BE49-F238E27FC236}">
+                  <a16:creationId xmlns:a16="http://schemas.microsoft.com/office/drawing/2014/main" id="{38CF4538-41BC-4836-9210-344F0A523398}"/>
+                </a:ext>
+              </a:extLst>
+            </p:cNvPr>
+            <p:cNvSpPr/>
+            <p:nvPr/>
+          </p:nvSpPr>
+          <p:spPr>
+            <a:xfrm>
+              <a:off x="1302753" y="1354407"/>
+              <a:ext cx="3208343" cy="884522"/>
+            </a:xfrm>
+            <a:prstGeom prst="flowChartDecision">
+              <a:avLst/>
+            </a:prstGeom>
+            <a:noFill/>
+            <a:ln w="22225">
+              <a:solidFill>
+                <a:schemeClr val="tx1"/>
+              </a:solidFill>
+            </a:ln>
+          </p:spPr>
+          <p:style>
+            <a:lnRef idx="2">
+              <a:schemeClr val="accent1">
+                <a:shade val="50000"/>
+              </a:schemeClr>
+            </a:lnRef>
+            <a:fillRef idx="1">
+              <a:schemeClr val="accent1"/>
+            </a:fillRef>
+            <a:effectRef idx="0">
+              <a:schemeClr val="accent1"/>
+            </a:effectRef>
+            <a:fontRef idx="minor">
+              <a:schemeClr val="lt1"/>
+            </a:fontRef>
+          </p:style>
+          <p:txBody>
+            <a:bodyPr rtlCol="0" anchor="ctr"/>
+            <a:lstStyle/>
+            <a:p>
+              <a:pPr algn="ctr"/>
+              <a:r>
+                <a:rPr lang="en-US" altLang="zh-CN" sz="1400" dirty="0">
+                  <a:solidFill>
+                    <a:schemeClr val="tx1"/>
+                  </a:solidFill>
+                  <a:latin typeface="Times New Roman" panose="02020603050405020304" pitchFamily="18" charset="0"/>
+                  <a:cs typeface="Times New Roman" panose="02020603050405020304" pitchFamily="18" charset="0"/>
+                </a:rPr>
+                <a:t> </a:t>
+              </a:r>
+              <a:r>
+                <a:rPr lang="en-US" altLang="zh-CN" sz="1600" dirty="0">
+                  <a:solidFill>
+                    <a:schemeClr val="tx1"/>
+                  </a:solidFill>
+                  <a:latin typeface="Times New Roman" panose="02020603050405020304" pitchFamily="18" charset="0"/>
+                  <a:cs typeface="Times New Roman" panose="02020603050405020304" pitchFamily="18" charset="0"/>
+                </a:rPr>
+                <a:t>Potential Performance Improvement</a:t>
+              </a:r>
+              <a:endParaRPr lang="en-US" altLang="zh-CN" sz="1400" dirty="0">
+                <a:solidFill>
+                  <a:schemeClr val="tx1"/>
+                </a:solidFill>
+                <a:latin typeface="Times New Roman" panose="02020603050405020304" pitchFamily="18" charset="0"/>
+                <a:cs typeface="Times New Roman" panose="02020603050405020304" pitchFamily="18" charset="0"/>
+              </a:endParaRPr>
+            </a:p>
+          </p:txBody>
+        </p:sp>
+        <p:sp>
+          <p:nvSpPr>
+            <p:cNvPr id="21" name="Flowchart: Decision 20">
+              <a:extLst>
+                <a:ext uri="{FF2B5EF4-FFF2-40B4-BE49-F238E27FC236}">
+                  <a16:creationId xmlns:a16="http://schemas.microsoft.com/office/drawing/2014/main" id="{672631FE-A57D-4224-A606-87C722D5D3D7}"/>
+                </a:ext>
+              </a:extLst>
+            </p:cNvPr>
+            <p:cNvSpPr/>
+            <p:nvPr/>
+          </p:nvSpPr>
+          <p:spPr>
+            <a:xfrm>
+              <a:off x="1302753" y="2598604"/>
+              <a:ext cx="3208343" cy="884522"/>
+            </a:xfrm>
+            <a:prstGeom prst="flowChartDecision">
+              <a:avLst/>
+            </a:prstGeom>
+            <a:noFill/>
+            <a:ln w="22225">
+              <a:solidFill>
+                <a:schemeClr val="tx1"/>
+              </a:solidFill>
+            </a:ln>
+          </p:spPr>
+          <p:style>
+            <a:lnRef idx="2">
+              <a:schemeClr val="accent1">
+                <a:shade val="50000"/>
+              </a:schemeClr>
+            </a:lnRef>
+            <a:fillRef idx="1">
+              <a:schemeClr val="accent1"/>
+            </a:fillRef>
+            <a:effectRef idx="0">
+              <a:schemeClr val="accent1"/>
+            </a:effectRef>
+            <a:fontRef idx="minor">
+              <a:schemeClr val="lt1"/>
+            </a:fontRef>
+          </p:style>
+          <p:txBody>
+            <a:bodyPr rtlCol="0" anchor="ctr"/>
+            <a:lstStyle/>
+            <a:p>
+              <a:pPr algn="ctr"/>
+              <a:r>
+                <a:rPr lang="en-US" altLang="zh-CN" sz="1600" dirty="0">
+                  <a:solidFill>
+                    <a:schemeClr val="tx1"/>
+                  </a:solidFill>
+                  <a:latin typeface="Times New Roman" panose="02020603050405020304" pitchFamily="18" charset="0"/>
+                  <a:cs typeface="Times New Roman" panose="02020603050405020304" pitchFamily="18" charset="0"/>
+                </a:rPr>
+                <a:t>Instructions of Allocations / Deallocations</a:t>
+              </a:r>
+              <a:endParaRPr lang="zh-CN" altLang="en-US" sz="1600" dirty="0">
+                <a:solidFill>
+                  <a:schemeClr val="tx1"/>
+                </a:solidFill>
+                <a:latin typeface="Times New Roman" panose="02020603050405020304" pitchFamily="18" charset="0"/>
+                <a:cs typeface="Times New Roman" panose="02020603050405020304" pitchFamily="18" charset="0"/>
+              </a:endParaRPr>
+            </a:p>
+          </p:txBody>
+        </p:sp>
+        <p:sp>
+          <p:nvSpPr>
+            <p:cNvPr id="22" name="Flowchart: Decision 21">
+              <a:extLst>
+                <a:ext uri="{FF2B5EF4-FFF2-40B4-BE49-F238E27FC236}">
+                  <a16:creationId xmlns:a16="http://schemas.microsoft.com/office/drawing/2014/main" id="{7D90A972-4DFE-42CA-B5F9-07804FB12DD6}"/>
+                </a:ext>
+              </a:extLst>
+            </p:cNvPr>
+            <p:cNvSpPr/>
+            <p:nvPr/>
+          </p:nvSpPr>
+          <p:spPr>
+            <a:xfrm>
+              <a:off x="1302753" y="3855809"/>
+              <a:ext cx="3208343" cy="884522"/>
+            </a:xfrm>
+            <a:prstGeom prst="flowChartDecision">
+              <a:avLst/>
+            </a:prstGeom>
+            <a:noFill/>
+            <a:ln w="22225">
+              <a:solidFill>
+                <a:schemeClr val="tx1"/>
+              </a:solidFill>
+            </a:ln>
+          </p:spPr>
+          <p:style>
+            <a:lnRef idx="2">
+              <a:schemeClr val="accent1">
+                <a:shade val="50000"/>
+              </a:schemeClr>
+            </a:lnRef>
+            <a:fillRef idx="1">
+              <a:schemeClr val="accent1"/>
+            </a:fillRef>
+            <a:effectRef idx="0">
+              <a:schemeClr val="accent1"/>
+            </a:effectRef>
+            <a:fontRef idx="minor">
+              <a:schemeClr val="lt1"/>
+            </a:fontRef>
+          </p:style>
+          <p:txBody>
+            <a:bodyPr rtlCol="0" anchor="ctr"/>
+            <a:lstStyle/>
+            <a:p>
+              <a:pPr algn="ctr"/>
+              <a:r>
+                <a:rPr lang="en-US" altLang="zh-CN" sz="1600" dirty="0">
+                  <a:solidFill>
+                    <a:schemeClr val="tx1"/>
+                  </a:solidFill>
+                  <a:latin typeface="Times New Roman" panose="02020603050405020304" pitchFamily="18" charset="0"/>
+                  <a:cs typeface="Times New Roman" panose="02020603050405020304" pitchFamily="18" charset="0"/>
+                </a:rPr>
+                <a:t>Cycles of Allocation / Deallocations</a:t>
+              </a:r>
+            </a:p>
+          </p:txBody>
+        </p:sp>
+        <p:cxnSp>
+          <p:nvCxnSpPr>
+            <p:cNvPr id="85" name="Straight Arrow Connector 84">
+              <a:extLst>
+                <a:ext uri="{FF2B5EF4-FFF2-40B4-BE49-F238E27FC236}">
+                  <a16:creationId xmlns:a16="http://schemas.microsoft.com/office/drawing/2014/main" id="{E9F579B3-8786-4A07-97EF-04FB2592DB9E}"/>
+                </a:ext>
+              </a:extLst>
+            </p:cNvPr>
+            <p:cNvCxnSpPr>
+              <a:cxnSpLocks/>
+            </p:cNvCxnSpPr>
+            <p:nvPr/>
+          </p:nvCxnSpPr>
+          <p:spPr>
+            <a:xfrm flipH="1">
+              <a:off x="2907991" y="2222162"/>
+              <a:ext cx="1" cy="374779"/>
+            </a:xfrm>
+            <a:prstGeom prst="straightConnector1">
+              <a:avLst/>
+            </a:prstGeom>
+            <a:ln w="15875">
+              <a:solidFill>
+                <a:schemeClr val="tx1"/>
+              </a:solidFill>
+              <a:tailEnd type="triangle"/>
+            </a:ln>
+          </p:spPr>
+          <p:style>
+            <a:lnRef idx="1">
+              <a:schemeClr val="accent1"/>
+            </a:lnRef>
+            <a:fillRef idx="0">
+              <a:schemeClr val="accent1"/>
+            </a:fillRef>
+            <a:effectRef idx="0">
+              <a:schemeClr val="accent1"/>
+            </a:effectRef>
+            <a:fontRef idx="minor">
+              <a:schemeClr val="tx1"/>
+            </a:fontRef>
+          </p:style>
+        </p:cxnSp>
+        <p:sp>
+          <p:nvSpPr>
+            <p:cNvPr id="88" name="TextBox 87">
+              <a:extLst>
+                <a:ext uri="{FF2B5EF4-FFF2-40B4-BE49-F238E27FC236}">
+                  <a16:creationId xmlns:a16="http://schemas.microsoft.com/office/drawing/2014/main" id="{F34ABDE1-4379-45F3-A6B1-B0D061B08627}"/>
+                </a:ext>
+              </a:extLst>
+            </p:cNvPr>
+            <p:cNvSpPr txBox="1"/>
+            <p:nvPr/>
+          </p:nvSpPr>
+          <p:spPr>
+            <a:xfrm>
+              <a:off x="2574414" y="2248166"/>
+              <a:ext cx="665018" cy="307777"/>
+            </a:xfrm>
+            <a:prstGeom prst="rect">
+              <a:avLst/>
+            </a:prstGeom>
+            <a:noFill/>
+          </p:spPr>
+          <p:txBody>
+            <a:bodyPr wrap="square" rtlCol="0">
+              <a:spAutoFit/>
+            </a:bodyPr>
+            <a:lstStyle/>
+            <a:p>
+              <a:r>
+                <a:rPr lang="en-US" altLang="zh-CN" sz="1400" dirty="0">
+                  <a:latin typeface="Times New Roman" panose="02020603050405020304" pitchFamily="18" charset="0"/>
+                  <a:cs typeface="Times New Roman" panose="02020603050405020304" pitchFamily="18" charset="0"/>
+                </a:rPr>
+                <a:t>Y</a:t>
+              </a:r>
+              <a:endParaRPr lang="zh-CN" altLang="en-US" dirty="0">
+                <a:latin typeface="Times New Roman" panose="02020603050405020304" pitchFamily="18" charset="0"/>
+                <a:cs typeface="Times New Roman" panose="02020603050405020304" pitchFamily="18" charset="0"/>
+              </a:endParaRPr>
+            </a:p>
+          </p:txBody>
+        </p:sp>
+        <p:cxnSp>
+          <p:nvCxnSpPr>
+            <p:cNvPr id="92" name="Straight Arrow Connector 91">
+              <a:extLst>
+                <a:ext uri="{FF2B5EF4-FFF2-40B4-BE49-F238E27FC236}">
+                  <a16:creationId xmlns:a16="http://schemas.microsoft.com/office/drawing/2014/main" id="{A01B6675-0D3B-4C27-B4BC-32D3CEF523AC}"/>
+                </a:ext>
+              </a:extLst>
+            </p:cNvPr>
+            <p:cNvCxnSpPr>
+              <a:cxnSpLocks/>
+            </p:cNvCxnSpPr>
+            <p:nvPr/>
+          </p:nvCxnSpPr>
+          <p:spPr>
+            <a:xfrm flipH="1">
+              <a:off x="2906924" y="3481030"/>
+              <a:ext cx="1" cy="374779"/>
+            </a:xfrm>
+            <a:prstGeom prst="straightConnector1">
+              <a:avLst/>
+            </a:prstGeom>
+            <a:ln w="15875">
+              <a:solidFill>
+                <a:schemeClr val="tx1"/>
+              </a:solidFill>
+              <a:tailEnd type="triangle"/>
+            </a:ln>
+          </p:spPr>
+          <p:style>
+            <a:lnRef idx="1">
+              <a:schemeClr val="accent1"/>
+            </a:lnRef>
+            <a:fillRef idx="0">
+              <a:schemeClr val="accent1"/>
+            </a:fillRef>
+            <a:effectRef idx="0">
+              <a:schemeClr val="accent1"/>
+            </a:effectRef>
+            <a:fontRef idx="minor">
+              <a:schemeClr val="tx1"/>
+            </a:fontRef>
+          </p:style>
+        </p:cxnSp>
+        <p:sp>
+          <p:nvSpPr>
+            <p:cNvPr id="98" name="TextBox 97">
+              <a:extLst>
+                <a:ext uri="{FF2B5EF4-FFF2-40B4-BE49-F238E27FC236}">
+                  <a16:creationId xmlns:a16="http://schemas.microsoft.com/office/drawing/2014/main" id="{22FDBF8E-C8D3-435A-9BFB-13B65E0AB8A6}"/>
+                </a:ext>
+              </a:extLst>
+            </p:cNvPr>
+            <p:cNvSpPr txBox="1"/>
+            <p:nvPr/>
+          </p:nvSpPr>
+          <p:spPr>
+            <a:xfrm>
+              <a:off x="2574414" y="3485285"/>
+              <a:ext cx="665018" cy="307777"/>
+            </a:xfrm>
+            <a:prstGeom prst="rect">
+              <a:avLst/>
+            </a:prstGeom>
+            <a:noFill/>
+          </p:spPr>
+          <p:txBody>
+            <a:bodyPr wrap="square" rtlCol="0">
+              <a:spAutoFit/>
+            </a:bodyPr>
+            <a:lstStyle/>
+            <a:p>
+              <a:r>
+                <a:rPr lang="en-US" altLang="zh-CN" sz="1400" dirty="0">
+                  <a:latin typeface="Times New Roman" panose="02020603050405020304" pitchFamily="18" charset="0"/>
+                  <a:cs typeface="Times New Roman" panose="02020603050405020304" pitchFamily="18" charset="0"/>
+                </a:rPr>
+                <a:t>N</a:t>
+              </a:r>
+              <a:endParaRPr lang="zh-CN" altLang="en-US" dirty="0">
+                <a:latin typeface="Times New Roman" panose="02020603050405020304" pitchFamily="18" charset="0"/>
+                <a:cs typeface="Times New Roman" panose="02020603050405020304" pitchFamily="18" charset="0"/>
+              </a:endParaRPr>
+            </a:p>
+          </p:txBody>
+        </p:sp>
+        <p:sp>
+          <p:nvSpPr>
+            <p:cNvPr id="24" name="Flowchart: Decision 23">
+              <a:extLst>
+                <a:ext uri="{FF2B5EF4-FFF2-40B4-BE49-F238E27FC236}">
+                  <a16:creationId xmlns:a16="http://schemas.microsoft.com/office/drawing/2014/main" id="{385AE9B6-1772-4416-8464-66904E9B5AD6}"/>
+                </a:ext>
+              </a:extLst>
+            </p:cNvPr>
+            <p:cNvSpPr/>
+            <p:nvPr/>
+          </p:nvSpPr>
+          <p:spPr>
+            <a:xfrm>
+              <a:off x="4996220" y="3855809"/>
+              <a:ext cx="3208343" cy="884522"/>
+            </a:xfrm>
+            <a:prstGeom prst="flowChartDecision">
+              <a:avLst/>
+            </a:prstGeom>
+            <a:noFill/>
+            <a:ln w="22225">
+              <a:solidFill>
+                <a:schemeClr val="tx1"/>
+              </a:solidFill>
+            </a:ln>
+          </p:spPr>
+          <p:style>
+            <a:lnRef idx="2">
+              <a:schemeClr val="accent1">
+                <a:shade val="50000"/>
+              </a:schemeClr>
+            </a:lnRef>
+            <a:fillRef idx="1">
+              <a:schemeClr val="accent1"/>
+            </a:fillRef>
+            <a:effectRef idx="0">
+              <a:schemeClr val="accent1"/>
+            </a:effectRef>
+            <a:fontRef idx="minor">
+              <a:schemeClr val="lt1"/>
+            </a:fontRef>
+          </p:style>
+          <p:txBody>
+            <a:bodyPr rtlCol="0" anchor="ctr"/>
+            <a:lstStyle/>
+            <a:p>
+              <a:pPr algn="ctr"/>
+              <a:r>
+                <a:rPr lang="en-US" altLang="zh-CN" sz="1600" dirty="0">
+                  <a:solidFill>
+                    <a:schemeClr val="tx1"/>
+                  </a:solidFill>
+                  <a:latin typeface="Times New Roman" panose="02020603050405020304" pitchFamily="18" charset="0"/>
+                  <a:cs typeface="Times New Roman" panose="02020603050405020304" pitchFamily="18" charset="0"/>
+                </a:rPr>
+                <a:t>Lock Contention</a:t>
+              </a:r>
+            </a:p>
+          </p:txBody>
+        </p:sp>
+        <p:sp>
+          <p:nvSpPr>
+            <p:cNvPr id="25" name="Flowchart: Decision 24">
+              <a:extLst>
+                <a:ext uri="{FF2B5EF4-FFF2-40B4-BE49-F238E27FC236}">
+                  <a16:creationId xmlns:a16="http://schemas.microsoft.com/office/drawing/2014/main" id="{4350C2EB-375B-447F-A742-CE382B9F3F0A}"/>
+                </a:ext>
+              </a:extLst>
+            </p:cNvPr>
+            <p:cNvSpPr/>
+            <p:nvPr/>
+          </p:nvSpPr>
+          <p:spPr>
+            <a:xfrm>
+              <a:off x="4996220" y="5096822"/>
+              <a:ext cx="3208343" cy="884522"/>
+            </a:xfrm>
+            <a:prstGeom prst="flowChartDecision">
+              <a:avLst/>
+            </a:prstGeom>
+            <a:noFill/>
+            <a:ln w="22225">
+              <a:solidFill>
+                <a:schemeClr val="tx1"/>
+              </a:solidFill>
+            </a:ln>
+          </p:spPr>
+          <p:style>
+            <a:lnRef idx="2">
+              <a:schemeClr val="accent1">
+                <a:shade val="50000"/>
+              </a:schemeClr>
+            </a:lnRef>
+            <a:fillRef idx="1">
+              <a:schemeClr val="accent1"/>
+            </a:fillRef>
+            <a:effectRef idx="0">
+              <a:schemeClr val="accent1"/>
+            </a:effectRef>
+            <a:fontRef idx="minor">
+              <a:schemeClr val="lt1"/>
+            </a:fontRef>
+          </p:style>
+          <p:txBody>
+            <a:bodyPr rtlCol="0" anchor="ctr"/>
+            <a:lstStyle/>
+            <a:p>
+              <a:pPr algn="ctr"/>
+              <a:r>
+                <a:rPr lang="en-US" altLang="zh-CN" sz="1600" dirty="0">
+                  <a:solidFill>
+                    <a:schemeClr val="tx1"/>
+                  </a:solidFill>
+                  <a:latin typeface="Times New Roman" panose="02020603050405020304" pitchFamily="18" charset="0"/>
+                  <a:cs typeface="Times New Roman" panose="02020603050405020304" pitchFamily="18" charset="0"/>
+                </a:rPr>
+                <a:t>System Calls</a:t>
+              </a:r>
+            </a:p>
+          </p:txBody>
+        </p:sp>
+        <p:sp>
+          <p:nvSpPr>
+            <p:cNvPr id="107" name="TextBox 106">
+              <a:extLst>
+                <a:ext uri="{FF2B5EF4-FFF2-40B4-BE49-F238E27FC236}">
+                  <a16:creationId xmlns:a16="http://schemas.microsoft.com/office/drawing/2014/main" id="{B1E88EDF-4027-46DA-BDDC-5B9B22C215EB}"/>
+                </a:ext>
+              </a:extLst>
+            </p:cNvPr>
+            <p:cNvSpPr txBox="1"/>
+            <p:nvPr/>
+          </p:nvSpPr>
+          <p:spPr>
+            <a:xfrm>
+              <a:off x="6267882" y="4739055"/>
+              <a:ext cx="665018" cy="307777"/>
+            </a:xfrm>
+            <a:prstGeom prst="rect">
+              <a:avLst/>
+            </a:prstGeom>
+            <a:noFill/>
+          </p:spPr>
+          <p:txBody>
+            <a:bodyPr wrap="square" rtlCol="0">
+              <a:spAutoFit/>
+            </a:bodyPr>
+            <a:lstStyle/>
+            <a:p>
+              <a:r>
+                <a:rPr lang="en-US" altLang="zh-CN" sz="1400" dirty="0">
+                  <a:latin typeface="Times New Roman" panose="02020603050405020304" pitchFamily="18" charset="0"/>
+                  <a:cs typeface="Times New Roman" panose="02020603050405020304" pitchFamily="18" charset="0"/>
+                </a:rPr>
+                <a:t>N</a:t>
+              </a:r>
+              <a:endParaRPr lang="zh-CN" altLang="en-US" dirty="0">
+                <a:latin typeface="Times New Roman" panose="02020603050405020304" pitchFamily="18" charset="0"/>
+                <a:cs typeface="Times New Roman" panose="02020603050405020304" pitchFamily="18" charset="0"/>
+              </a:endParaRPr>
+            </a:p>
+          </p:txBody>
+        </p:sp>
+        <p:cxnSp>
+          <p:nvCxnSpPr>
+            <p:cNvPr id="108" name="Straight Arrow Connector 107">
+              <a:extLst>
+                <a:ext uri="{FF2B5EF4-FFF2-40B4-BE49-F238E27FC236}">
+                  <a16:creationId xmlns:a16="http://schemas.microsoft.com/office/drawing/2014/main" id="{A8DE5830-F275-4878-A956-86549BBED6F2}"/>
+                </a:ext>
+              </a:extLst>
+            </p:cNvPr>
+            <p:cNvCxnSpPr>
+              <a:cxnSpLocks/>
+            </p:cNvCxnSpPr>
+            <p:nvPr/>
+          </p:nvCxnSpPr>
+          <p:spPr>
+            <a:xfrm flipH="1">
+              <a:off x="6593664" y="4731187"/>
+              <a:ext cx="1" cy="374779"/>
+            </a:xfrm>
+            <a:prstGeom prst="straightConnector1">
+              <a:avLst/>
+            </a:prstGeom>
+            <a:ln w="15875">
+              <a:solidFill>
+                <a:schemeClr val="tx1"/>
+              </a:solidFill>
+              <a:tailEnd type="triangle"/>
+            </a:ln>
+          </p:spPr>
+          <p:style>
+            <a:lnRef idx="1">
+              <a:schemeClr val="accent1"/>
+            </a:lnRef>
+            <a:fillRef idx="0">
+              <a:schemeClr val="accent1"/>
+            </a:fillRef>
+            <a:effectRef idx="0">
+              <a:schemeClr val="accent1"/>
+            </a:effectRef>
+            <a:fontRef idx="minor">
+              <a:schemeClr val="tx1"/>
+            </a:fontRef>
+          </p:style>
+        </p:cxnSp>
+        <p:cxnSp>
+          <p:nvCxnSpPr>
+            <p:cNvPr id="110" name="Straight Arrow Connector 109">
+              <a:extLst>
+                <a:ext uri="{FF2B5EF4-FFF2-40B4-BE49-F238E27FC236}">
+                  <a16:creationId xmlns:a16="http://schemas.microsoft.com/office/drawing/2014/main" id="{625E7439-E34A-4E1C-B201-D3C1AAEACB73}"/>
+                </a:ext>
+              </a:extLst>
+            </p:cNvPr>
+            <p:cNvCxnSpPr/>
+            <p:nvPr/>
+          </p:nvCxnSpPr>
+          <p:spPr>
+            <a:xfrm>
+              <a:off x="4511096" y="4293014"/>
+              <a:ext cx="487644" cy="0"/>
+            </a:xfrm>
+            <a:prstGeom prst="straightConnector1">
+              <a:avLst/>
+            </a:prstGeom>
+            <a:ln w="15875">
+              <a:solidFill>
+                <a:schemeClr val="tx1"/>
+              </a:solidFill>
+              <a:tailEnd type="triangle"/>
+            </a:ln>
+          </p:spPr>
+          <p:style>
+            <a:lnRef idx="1">
+              <a:schemeClr val="accent1"/>
+            </a:lnRef>
+            <a:fillRef idx="0">
+              <a:schemeClr val="accent1"/>
+            </a:fillRef>
+            <a:effectRef idx="0">
+              <a:schemeClr val="accent1"/>
+            </a:effectRef>
+            <a:fontRef idx="minor">
+              <a:schemeClr val="tx1"/>
+            </a:fontRef>
+          </p:style>
+        </p:cxnSp>
+        <p:sp>
+          <p:nvSpPr>
+            <p:cNvPr id="26" name="Rectangle 25">
+              <a:extLst>
+                <a:ext uri="{FF2B5EF4-FFF2-40B4-BE49-F238E27FC236}">
+                  <a16:creationId xmlns:a16="http://schemas.microsoft.com/office/drawing/2014/main" id="{B309D169-CB55-44B2-8473-8F9801B0EA38}"/>
+                </a:ext>
+              </a:extLst>
+            </p:cNvPr>
+            <p:cNvSpPr/>
+            <p:nvPr/>
+          </p:nvSpPr>
+          <p:spPr>
+            <a:xfrm>
+              <a:off x="8725687" y="5165734"/>
+              <a:ext cx="2848556" cy="746698"/>
+            </a:xfrm>
+            <a:prstGeom prst="rect">
+              <a:avLst/>
+            </a:prstGeom>
+            <a:solidFill>
+              <a:schemeClr val="bg1"/>
+            </a:solidFill>
+            <a:ln w="22225">
+              <a:solidFill>
+                <a:schemeClr val="tx1"/>
+              </a:solidFill>
+            </a:ln>
+          </p:spPr>
+          <p:style>
+            <a:lnRef idx="2">
+              <a:schemeClr val="accent1">
+                <a:shade val="50000"/>
+              </a:schemeClr>
+            </a:lnRef>
+            <a:fillRef idx="1">
+              <a:schemeClr val="accent1"/>
+            </a:fillRef>
+            <a:effectRef idx="0">
+              <a:schemeClr val="accent1"/>
+            </a:effectRef>
+            <a:fontRef idx="minor">
+              <a:schemeClr val="lt1"/>
+            </a:fontRef>
+          </p:style>
+          <p:txBody>
+            <a:bodyPr rtlCol="0" anchor="ctr"/>
+            <a:lstStyle/>
+            <a:p>
+              <a:pPr algn="ctr"/>
+              <a:r>
+                <a:rPr lang="en-US" altLang="zh-CN" sz="1600" dirty="0">
+                  <a:solidFill>
+                    <a:schemeClr val="tx1"/>
+                  </a:solidFill>
+                  <a:latin typeface="Times New Roman" panose="02020603050405020304" pitchFamily="18" charset="0"/>
+                  <a:cs typeface="Times New Roman" panose="02020603050405020304" pitchFamily="18" charset="0"/>
+                </a:rPr>
+                <a:t>Check and Fix Issues of System Calls</a:t>
+              </a:r>
+              <a:endParaRPr lang="zh-CN" altLang="en-US" sz="1600" dirty="0">
+                <a:solidFill>
+                  <a:schemeClr val="tx1"/>
+                </a:solidFill>
+                <a:latin typeface="Times New Roman" panose="02020603050405020304" pitchFamily="18" charset="0"/>
+                <a:cs typeface="Times New Roman" panose="02020603050405020304" pitchFamily="18" charset="0"/>
+              </a:endParaRPr>
+            </a:p>
+          </p:txBody>
+        </p:sp>
+        <p:sp>
+          <p:nvSpPr>
+            <p:cNvPr id="28" name="TextBox 27">
+              <a:extLst>
+                <a:ext uri="{FF2B5EF4-FFF2-40B4-BE49-F238E27FC236}">
+                  <a16:creationId xmlns:a16="http://schemas.microsoft.com/office/drawing/2014/main" id="{FF981D92-74DB-4E78-BA28-88FE3E7F9E8A}"/>
+                </a:ext>
+              </a:extLst>
+            </p:cNvPr>
+            <p:cNvSpPr txBox="1"/>
+            <p:nvPr/>
+          </p:nvSpPr>
+          <p:spPr>
+            <a:xfrm>
+              <a:off x="4422409" y="2719354"/>
+              <a:ext cx="665018" cy="307777"/>
+            </a:xfrm>
+            <a:prstGeom prst="rect">
+              <a:avLst/>
+            </a:prstGeom>
+            <a:noFill/>
+          </p:spPr>
+          <p:txBody>
+            <a:bodyPr wrap="square" rtlCol="0">
+              <a:spAutoFit/>
+            </a:bodyPr>
+            <a:lstStyle/>
+            <a:p>
+              <a:r>
+                <a:rPr lang="en-US" altLang="zh-CN" sz="1400" dirty="0">
+                  <a:latin typeface="Times New Roman" panose="02020603050405020304" pitchFamily="18" charset="0"/>
+                  <a:cs typeface="Times New Roman" panose="02020603050405020304" pitchFamily="18" charset="0"/>
+                </a:rPr>
+                <a:t>Y</a:t>
+              </a:r>
+              <a:endParaRPr lang="zh-CN" altLang="en-US" dirty="0">
+                <a:latin typeface="Times New Roman" panose="02020603050405020304" pitchFamily="18" charset="0"/>
+                <a:cs typeface="Times New Roman" panose="02020603050405020304" pitchFamily="18" charset="0"/>
+              </a:endParaRPr>
+            </a:p>
+          </p:txBody>
+        </p:sp>
+        <p:sp>
+          <p:nvSpPr>
+            <p:cNvPr id="29" name="TextBox 28">
+              <a:extLst>
+                <a:ext uri="{FF2B5EF4-FFF2-40B4-BE49-F238E27FC236}">
+                  <a16:creationId xmlns:a16="http://schemas.microsoft.com/office/drawing/2014/main" id="{CE207DA5-7B3D-4CC5-8618-EB2763F87CC3}"/>
+                </a:ext>
+              </a:extLst>
+            </p:cNvPr>
+            <p:cNvSpPr txBox="1"/>
+            <p:nvPr/>
+          </p:nvSpPr>
+          <p:spPr>
+            <a:xfrm>
+              <a:off x="4419889" y="3975625"/>
+              <a:ext cx="665018" cy="307777"/>
+            </a:xfrm>
+            <a:prstGeom prst="rect">
+              <a:avLst/>
+            </a:prstGeom>
+            <a:noFill/>
+          </p:spPr>
+          <p:txBody>
+            <a:bodyPr wrap="square" rtlCol="0">
+              <a:spAutoFit/>
+            </a:bodyPr>
+            <a:lstStyle/>
+            <a:p>
+              <a:r>
+                <a:rPr lang="en-US" altLang="zh-CN" sz="1400" dirty="0">
+                  <a:latin typeface="Times New Roman" panose="02020603050405020304" pitchFamily="18" charset="0"/>
+                  <a:cs typeface="Times New Roman" panose="02020603050405020304" pitchFamily="18" charset="0"/>
+                </a:rPr>
+                <a:t>Y</a:t>
+              </a:r>
+              <a:endParaRPr lang="zh-CN" altLang="en-US" dirty="0">
+                <a:latin typeface="Times New Roman" panose="02020603050405020304" pitchFamily="18" charset="0"/>
+                <a:cs typeface="Times New Roman" panose="02020603050405020304" pitchFamily="18" charset="0"/>
+              </a:endParaRPr>
+            </a:p>
+          </p:txBody>
+        </p:sp>
+        <p:sp>
+          <p:nvSpPr>
+            <p:cNvPr id="30" name="TextBox 29">
+              <a:extLst>
+                <a:ext uri="{FF2B5EF4-FFF2-40B4-BE49-F238E27FC236}">
+                  <a16:creationId xmlns:a16="http://schemas.microsoft.com/office/drawing/2014/main" id="{36C57E1B-5454-4F86-B0A9-475CE4D9C9BA}"/>
+                </a:ext>
+              </a:extLst>
+            </p:cNvPr>
+            <p:cNvSpPr txBox="1"/>
+            <p:nvPr/>
+          </p:nvSpPr>
+          <p:spPr>
+            <a:xfrm>
+              <a:off x="8202043" y="3985237"/>
+              <a:ext cx="665018" cy="307777"/>
+            </a:xfrm>
+            <a:prstGeom prst="rect">
+              <a:avLst/>
+            </a:prstGeom>
+            <a:noFill/>
+          </p:spPr>
+          <p:txBody>
+            <a:bodyPr wrap="square" rtlCol="0">
+              <a:spAutoFit/>
+            </a:bodyPr>
+            <a:lstStyle/>
+            <a:p>
+              <a:r>
+                <a:rPr lang="en-US" altLang="zh-CN" sz="1400" dirty="0">
+                  <a:latin typeface="Times New Roman" panose="02020603050405020304" pitchFamily="18" charset="0"/>
+                  <a:cs typeface="Times New Roman" panose="02020603050405020304" pitchFamily="18" charset="0"/>
+                </a:rPr>
+                <a:t>Y</a:t>
+              </a:r>
+              <a:endParaRPr lang="zh-CN" altLang="en-US" dirty="0">
+                <a:latin typeface="Times New Roman" panose="02020603050405020304" pitchFamily="18" charset="0"/>
+                <a:cs typeface="Times New Roman" panose="02020603050405020304" pitchFamily="18" charset="0"/>
+              </a:endParaRPr>
+            </a:p>
+          </p:txBody>
+        </p:sp>
+        <p:cxnSp>
+          <p:nvCxnSpPr>
+            <p:cNvPr id="117" name="Straight Arrow Connector 116">
+              <a:extLst>
+                <a:ext uri="{FF2B5EF4-FFF2-40B4-BE49-F238E27FC236}">
+                  <a16:creationId xmlns:a16="http://schemas.microsoft.com/office/drawing/2014/main" id="{D69509E5-6BA7-4EFC-A21E-2EBA68DAB547}"/>
+                </a:ext>
+              </a:extLst>
+            </p:cNvPr>
+            <p:cNvCxnSpPr>
+              <a:cxnSpLocks/>
+            </p:cNvCxnSpPr>
+            <p:nvPr/>
+          </p:nvCxnSpPr>
+          <p:spPr>
+            <a:xfrm flipV="1">
+              <a:off x="8204563" y="5534027"/>
+              <a:ext cx="521124" cy="5056"/>
+            </a:xfrm>
+            <a:prstGeom prst="straightConnector1">
+              <a:avLst/>
+            </a:prstGeom>
+            <a:ln w="15875">
+              <a:solidFill>
+                <a:schemeClr val="tx1"/>
+              </a:solidFill>
+              <a:tailEnd type="triangle"/>
+            </a:ln>
+          </p:spPr>
+          <p:style>
+            <a:lnRef idx="1">
+              <a:schemeClr val="accent1"/>
+            </a:lnRef>
+            <a:fillRef idx="0">
+              <a:schemeClr val="accent1"/>
+            </a:fillRef>
+            <a:effectRef idx="0">
+              <a:schemeClr val="accent1"/>
+            </a:effectRef>
+            <a:fontRef idx="minor">
+              <a:schemeClr val="tx1"/>
+            </a:fontRef>
+          </p:style>
+        </p:cxnSp>
+        <p:sp>
+          <p:nvSpPr>
+            <p:cNvPr id="118" name="TextBox 117">
+              <a:extLst>
+                <a:ext uri="{FF2B5EF4-FFF2-40B4-BE49-F238E27FC236}">
+                  <a16:creationId xmlns:a16="http://schemas.microsoft.com/office/drawing/2014/main" id="{8EC3E119-F46F-4A8B-A222-324C75D6D50F}"/>
+                </a:ext>
+              </a:extLst>
+            </p:cNvPr>
+            <p:cNvSpPr txBox="1"/>
+            <p:nvPr/>
+          </p:nvSpPr>
+          <p:spPr>
+            <a:xfrm>
+              <a:off x="8202043" y="5226250"/>
+              <a:ext cx="665018" cy="307777"/>
+            </a:xfrm>
+            <a:prstGeom prst="rect">
+              <a:avLst/>
+            </a:prstGeom>
+            <a:noFill/>
+          </p:spPr>
+          <p:txBody>
+            <a:bodyPr wrap="square" rtlCol="0">
+              <a:spAutoFit/>
+            </a:bodyPr>
+            <a:lstStyle/>
+            <a:p>
+              <a:r>
+                <a:rPr lang="en-US" altLang="zh-CN" sz="1400" dirty="0">
+                  <a:latin typeface="Times New Roman" panose="02020603050405020304" pitchFamily="18" charset="0"/>
+                  <a:cs typeface="Times New Roman" panose="02020603050405020304" pitchFamily="18" charset="0"/>
+                </a:rPr>
+                <a:t>Y</a:t>
+              </a:r>
+              <a:endParaRPr lang="zh-CN" altLang="en-US" dirty="0">
+                <a:latin typeface="Times New Roman" panose="02020603050405020304" pitchFamily="18" charset="0"/>
+                <a:cs typeface="Times New Roman" panose="02020603050405020304" pitchFamily="18" charset="0"/>
+              </a:endParaRPr>
+            </a:p>
+          </p:txBody>
+        </p:sp>
+        <p:cxnSp>
+          <p:nvCxnSpPr>
+            <p:cNvPr id="34" name="Straight Connector 33">
+              <a:extLst>
+                <a:ext uri="{FF2B5EF4-FFF2-40B4-BE49-F238E27FC236}">
+                  <a16:creationId xmlns:a16="http://schemas.microsoft.com/office/drawing/2014/main" id="{E0250333-1B15-42D3-8DD6-5498778796E6}"/>
+                </a:ext>
+              </a:extLst>
+            </p:cNvPr>
+            <p:cNvCxnSpPr>
+              <a:cxnSpLocks/>
+              <a:endCxn id="20" idx="1"/>
+            </p:cNvCxnSpPr>
+            <p:nvPr/>
+          </p:nvCxnSpPr>
+          <p:spPr>
+            <a:xfrm>
+              <a:off x="674255" y="1796668"/>
+              <a:ext cx="628498" cy="0"/>
+            </a:xfrm>
+            <a:prstGeom prst="line">
+              <a:avLst/>
+            </a:prstGeom>
+            <a:ln w="15875">
+              <a:solidFill>
+                <a:schemeClr val="tx1"/>
+              </a:solidFill>
+            </a:ln>
+          </p:spPr>
+          <p:style>
+            <a:lnRef idx="1">
+              <a:schemeClr val="accent1"/>
+            </a:lnRef>
+            <a:fillRef idx="0">
+              <a:schemeClr val="accent1"/>
+            </a:fillRef>
+            <a:effectRef idx="0">
+              <a:schemeClr val="accent1"/>
+            </a:effectRef>
+            <a:fontRef idx="minor">
+              <a:schemeClr val="tx1"/>
+            </a:fontRef>
+          </p:style>
+        </p:cxnSp>
+        <p:cxnSp>
+          <p:nvCxnSpPr>
+            <p:cNvPr id="37" name="Straight Connector 36">
+              <a:extLst>
+                <a:ext uri="{FF2B5EF4-FFF2-40B4-BE49-F238E27FC236}">
+                  <a16:creationId xmlns:a16="http://schemas.microsoft.com/office/drawing/2014/main" id="{8D27B36E-B2AB-4A58-A6FA-D5444E0B6A51}"/>
+                </a:ext>
+              </a:extLst>
+            </p:cNvPr>
+            <p:cNvCxnSpPr>
+              <a:cxnSpLocks/>
+            </p:cNvCxnSpPr>
+            <p:nvPr/>
+          </p:nvCxnSpPr>
+          <p:spPr>
+            <a:xfrm>
+              <a:off x="674255" y="1796668"/>
+              <a:ext cx="0" cy="4837722"/>
+            </a:xfrm>
+            <a:prstGeom prst="line">
+              <a:avLst/>
+            </a:prstGeom>
+            <a:ln w="15875">
+              <a:solidFill>
+                <a:schemeClr val="tx1"/>
+              </a:solidFill>
+            </a:ln>
+          </p:spPr>
+          <p:style>
+            <a:lnRef idx="1">
+              <a:schemeClr val="accent1"/>
+            </a:lnRef>
+            <a:fillRef idx="0">
+              <a:schemeClr val="accent1"/>
+            </a:fillRef>
+            <a:effectRef idx="0">
+              <a:schemeClr val="accent1"/>
+            </a:effectRef>
+            <a:fontRef idx="minor">
+              <a:schemeClr val="tx1"/>
+            </a:fontRef>
+          </p:style>
+        </p:cxnSp>
+        <p:cxnSp>
+          <p:nvCxnSpPr>
+            <p:cNvPr id="41" name="Straight Arrow Connector 40">
+              <a:extLst>
+                <a:ext uri="{FF2B5EF4-FFF2-40B4-BE49-F238E27FC236}">
+                  <a16:creationId xmlns:a16="http://schemas.microsoft.com/office/drawing/2014/main" id="{CB6E57D2-B93D-4ABE-8E86-B615B0B3B74B}"/>
+                </a:ext>
+              </a:extLst>
+            </p:cNvPr>
+            <p:cNvCxnSpPr>
+              <a:cxnSpLocks/>
+              <a:endCxn id="43" idx="1"/>
+            </p:cNvCxnSpPr>
+            <p:nvPr/>
+          </p:nvCxnSpPr>
+          <p:spPr>
+            <a:xfrm>
+              <a:off x="674255" y="6634390"/>
+              <a:ext cx="473535" cy="0"/>
+            </a:xfrm>
+            <a:prstGeom prst="straightConnector1">
+              <a:avLst/>
+            </a:prstGeom>
+            <a:ln w="15875">
+              <a:solidFill>
+                <a:schemeClr val="tx1"/>
+              </a:solidFill>
+              <a:tailEnd type="triangle"/>
+            </a:ln>
+          </p:spPr>
+          <p:style>
+            <a:lnRef idx="1">
+              <a:schemeClr val="accent1"/>
+            </a:lnRef>
+            <a:fillRef idx="0">
+              <a:schemeClr val="accent1"/>
+            </a:fillRef>
+            <a:effectRef idx="0">
+              <a:schemeClr val="accent1"/>
+            </a:effectRef>
+            <a:fontRef idx="minor">
+              <a:schemeClr val="tx1"/>
+            </a:fontRef>
+          </p:style>
+        </p:cxnSp>
+        <p:cxnSp>
+          <p:nvCxnSpPr>
+            <p:cNvPr id="67" name="Straight Connector 66">
+              <a:extLst>
+                <a:ext uri="{FF2B5EF4-FFF2-40B4-BE49-F238E27FC236}">
+                  <a16:creationId xmlns:a16="http://schemas.microsoft.com/office/drawing/2014/main" id="{920357CF-0546-46E6-82C7-7AED37C49B99}"/>
+                </a:ext>
+              </a:extLst>
+            </p:cNvPr>
+            <p:cNvCxnSpPr>
+              <a:cxnSpLocks/>
+              <a:stCxn id="48" idx="2"/>
+            </p:cNvCxnSpPr>
+            <p:nvPr/>
+          </p:nvCxnSpPr>
+          <p:spPr>
+            <a:xfrm>
+              <a:off x="6600392" y="913746"/>
+              <a:ext cx="0" cy="239588"/>
+            </a:xfrm>
+            <a:prstGeom prst="line">
+              <a:avLst/>
+            </a:prstGeom>
+            <a:ln w="15875">
+              <a:solidFill>
+                <a:schemeClr val="tx1"/>
+              </a:solidFill>
+            </a:ln>
+          </p:spPr>
+          <p:style>
+            <a:lnRef idx="1">
+              <a:schemeClr val="accent1"/>
+            </a:lnRef>
+            <a:fillRef idx="0">
+              <a:schemeClr val="accent1"/>
+            </a:fillRef>
+            <a:effectRef idx="0">
+              <a:schemeClr val="accent1"/>
+            </a:effectRef>
+            <a:fontRef idx="minor">
+              <a:schemeClr val="tx1"/>
+            </a:fontRef>
+          </p:style>
+        </p:cxnSp>
+        <p:cxnSp>
+          <p:nvCxnSpPr>
+            <p:cNvPr id="69" name="Straight Arrow Connector 68">
+              <a:extLst>
+                <a:ext uri="{FF2B5EF4-FFF2-40B4-BE49-F238E27FC236}">
+                  <a16:creationId xmlns:a16="http://schemas.microsoft.com/office/drawing/2014/main" id="{86C0E9FE-28F9-48BA-B2FE-F237DD44B9D5}"/>
+                </a:ext>
+              </a:extLst>
+            </p:cNvPr>
+            <p:cNvCxnSpPr/>
+            <p:nvPr/>
+          </p:nvCxnSpPr>
+          <p:spPr>
+            <a:xfrm flipH="1">
+              <a:off x="2918682" y="1155872"/>
+              <a:ext cx="3681709" cy="23253"/>
+            </a:xfrm>
+            <a:prstGeom prst="straightConnector1">
+              <a:avLst/>
+            </a:prstGeom>
+            <a:ln w="15875">
+              <a:solidFill>
+                <a:schemeClr val="tx1"/>
+              </a:solidFill>
+              <a:tailEnd type="triangle"/>
+            </a:ln>
+          </p:spPr>
+          <p:style>
+            <a:lnRef idx="1">
+              <a:schemeClr val="accent1"/>
+            </a:lnRef>
+            <a:fillRef idx="0">
+              <a:schemeClr val="accent1"/>
+            </a:fillRef>
+            <a:effectRef idx="0">
+              <a:schemeClr val="accent1"/>
+            </a:effectRef>
+            <a:fontRef idx="minor">
+              <a:schemeClr val="tx1"/>
+            </a:fontRef>
+          </p:style>
+        </p:cxnSp>
+        <p:cxnSp>
+          <p:nvCxnSpPr>
+            <p:cNvPr id="127" name="Straight Connector 126">
+              <a:extLst>
+                <a:ext uri="{FF2B5EF4-FFF2-40B4-BE49-F238E27FC236}">
+                  <a16:creationId xmlns:a16="http://schemas.microsoft.com/office/drawing/2014/main" id="{7599CE82-E8B2-47AD-9AAC-C80F81390400}"/>
+                </a:ext>
+              </a:extLst>
+            </p:cNvPr>
+            <p:cNvCxnSpPr>
+              <a:cxnSpLocks/>
+            </p:cNvCxnSpPr>
+            <p:nvPr/>
+          </p:nvCxnSpPr>
+          <p:spPr>
+            <a:xfrm>
+              <a:off x="6600392" y="3384366"/>
+              <a:ext cx="0" cy="239588"/>
+            </a:xfrm>
+            <a:prstGeom prst="line">
+              <a:avLst/>
+            </a:prstGeom>
+            <a:ln w="15875">
+              <a:solidFill>
+                <a:schemeClr val="tx1"/>
+              </a:solidFill>
+            </a:ln>
+          </p:spPr>
+          <p:style>
+            <a:lnRef idx="1">
+              <a:schemeClr val="accent1"/>
+            </a:lnRef>
+            <a:fillRef idx="0">
+              <a:schemeClr val="accent1"/>
+            </a:fillRef>
+            <a:effectRef idx="0">
+              <a:schemeClr val="accent1"/>
+            </a:effectRef>
+            <a:fontRef idx="minor">
+              <a:schemeClr val="tx1"/>
+            </a:fontRef>
+          </p:style>
+        </p:cxnSp>
+        <p:cxnSp>
+          <p:nvCxnSpPr>
+            <p:cNvPr id="128" name="Straight Arrow Connector 127">
+              <a:extLst>
+                <a:ext uri="{FF2B5EF4-FFF2-40B4-BE49-F238E27FC236}">
+                  <a16:creationId xmlns:a16="http://schemas.microsoft.com/office/drawing/2014/main" id="{46115853-D651-4453-A130-DA0E968695BF}"/>
+                </a:ext>
+              </a:extLst>
+            </p:cNvPr>
+            <p:cNvCxnSpPr/>
+            <p:nvPr/>
+          </p:nvCxnSpPr>
+          <p:spPr>
+            <a:xfrm flipH="1">
+              <a:off x="2918682" y="3626492"/>
+              <a:ext cx="3681709" cy="23253"/>
+            </a:xfrm>
+            <a:prstGeom prst="straightConnector1">
+              <a:avLst/>
+            </a:prstGeom>
+            <a:ln w="15875">
+              <a:solidFill>
+                <a:schemeClr val="tx1"/>
+              </a:solidFill>
+              <a:tailEnd type="triangle"/>
+            </a:ln>
+          </p:spPr>
+          <p:style>
+            <a:lnRef idx="1">
+              <a:schemeClr val="accent1"/>
+            </a:lnRef>
+            <a:fillRef idx="0">
+              <a:schemeClr val="accent1"/>
+            </a:fillRef>
+            <a:effectRef idx="0">
+              <a:schemeClr val="accent1"/>
+            </a:effectRef>
+            <a:fontRef idx="minor">
+              <a:schemeClr val="tx1"/>
+            </a:fontRef>
+          </p:style>
+        </p:cxnSp>
+        <p:cxnSp>
+          <p:nvCxnSpPr>
+            <p:cNvPr id="130" name="Straight Connector 129">
+              <a:extLst>
+                <a:ext uri="{FF2B5EF4-FFF2-40B4-BE49-F238E27FC236}">
+                  <a16:creationId xmlns:a16="http://schemas.microsoft.com/office/drawing/2014/main" id="{77DA60E5-C4F7-4BB3-8A75-A57B1C34C665}"/>
+                </a:ext>
+              </a:extLst>
+            </p:cNvPr>
+            <p:cNvCxnSpPr>
+              <a:cxnSpLocks/>
+            </p:cNvCxnSpPr>
+            <p:nvPr/>
+          </p:nvCxnSpPr>
+          <p:spPr>
+            <a:xfrm flipH="1">
+              <a:off x="6600391" y="5983503"/>
+              <a:ext cx="5077" cy="608305"/>
+            </a:xfrm>
+            <a:prstGeom prst="line">
+              <a:avLst/>
+            </a:prstGeom>
+            <a:ln w="15875">
+              <a:solidFill>
+                <a:schemeClr val="tx1"/>
+              </a:solidFill>
+            </a:ln>
+          </p:spPr>
+          <p:style>
+            <a:lnRef idx="1">
+              <a:schemeClr val="accent1"/>
+            </a:lnRef>
+            <a:fillRef idx="0">
+              <a:schemeClr val="accent1"/>
+            </a:fillRef>
+            <a:effectRef idx="0">
+              <a:schemeClr val="accent1"/>
+            </a:effectRef>
+            <a:fontRef idx="minor">
+              <a:schemeClr val="tx1"/>
+            </a:fontRef>
+          </p:style>
+        </p:cxnSp>
+        <p:cxnSp>
+          <p:nvCxnSpPr>
+            <p:cNvPr id="132" name="Straight Arrow Connector 131">
+              <a:extLst>
+                <a:ext uri="{FF2B5EF4-FFF2-40B4-BE49-F238E27FC236}">
+                  <a16:creationId xmlns:a16="http://schemas.microsoft.com/office/drawing/2014/main" id="{A93DC38D-C18B-49E9-B18C-7992C169BFE4}"/>
+                </a:ext>
+              </a:extLst>
+            </p:cNvPr>
+            <p:cNvCxnSpPr>
+              <a:cxnSpLocks/>
+              <a:endCxn id="43" idx="3"/>
+            </p:cNvCxnSpPr>
+            <p:nvPr/>
+          </p:nvCxnSpPr>
+          <p:spPr>
+            <a:xfrm flipH="1">
+              <a:off x="4666058" y="6591808"/>
+              <a:ext cx="5483907" cy="42582"/>
+            </a:xfrm>
+            <a:prstGeom prst="straightConnector1">
+              <a:avLst/>
+            </a:prstGeom>
+            <a:ln w="15875">
+              <a:solidFill>
+                <a:schemeClr val="tx1"/>
+              </a:solidFill>
+              <a:tailEnd type="triangle"/>
+            </a:ln>
+          </p:spPr>
+          <p:style>
+            <a:lnRef idx="1">
+              <a:schemeClr val="accent1"/>
+            </a:lnRef>
+            <a:fillRef idx="0">
+              <a:schemeClr val="accent1"/>
+            </a:fillRef>
+            <a:effectRef idx="0">
+              <a:schemeClr val="accent1"/>
+            </a:effectRef>
+            <a:fontRef idx="minor">
+              <a:schemeClr val="tx1"/>
+            </a:fontRef>
+          </p:style>
+        </p:cxnSp>
+        <p:cxnSp>
+          <p:nvCxnSpPr>
+            <p:cNvPr id="143" name="Straight Connector 142">
+              <a:extLst>
+                <a:ext uri="{FF2B5EF4-FFF2-40B4-BE49-F238E27FC236}">
+                  <a16:creationId xmlns:a16="http://schemas.microsoft.com/office/drawing/2014/main" id="{86731354-A93D-4402-B379-BCF1D94B5877}"/>
+                </a:ext>
+              </a:extLst>
+            </p:cNvPr>
+            <p:cNvCxnSpPr>
+              <a:cxnSpLocks/>
+              <a:stCxn id="2" idx="2"/>
+            </p:cNvCxnSpPr>
+            <p:nvPr/>
+          </p:nvCxnSpPr>
+          <p:spPr>
+            <a:xfrm>
+              <a:off x="10149965" y="4666363"/>
+              <a:ext cx="0" cy="247245"/>
+            </a:xfrm>
+            <a:prstGeom prst="line">
+              <a:avLst/>
+            </a:prstGeom>
+            <a:ln w="15875">
+              <a:solidFill>
+                <a:schemeClr val="tx1"/>
+              </a:solidFill>
+            </a:ln>
+          </p:spPr>
+          <p:style>
+            <a:lnRef idx="1">
+              <a:schemeClr val="accent1"/>
+            </a:lnRef>
+            <a:fillRef idx="0">
+              <a:schemeClr val="accent1"/>
+            </a:fillRef>
+            <a:effectRef idx="0">
+              <a:schemeClr val="accent1"/>
+            </a:effectRef>
+            <a:fontRef idx="minor">
+              <a:schemeClr val="tx1"/>
+            </a:fontRef>
+          </p:style>
+        </p:cxnSp>
+        <p:cxnSp>
+          <p:nvCxnSpPr>
+            <p:cNvPr id="145" name="Straight Arrow Connector 144">
+              <a:extLst>
+                <a:ext uri="{FF2B5EF4-FFF2-40B4-BE49-F238E27FC236}">
+                  <a16:creationId xmlns:a16="http://schemas.microsoft.com/office/drawing/2014/main" id="{7F523F49-8564-47A6-A01E-B577225B182A}"/>
+                </a:ext>
+              </a:extLst>
+            </p:cNvPr>
+            <p:cNvCxnSpPr>
+              <a:cxnSpLocks/>
+            </p:cNvCxnSpPr>
+            <p:nvPr/>
+          </p:nvCxnSpPr>
+          <p:spPr>
+            <a:xfrm flipH="1">
+              <a:off x="6586939" y="4913608"/>
+              <a:ext cx="3563026" cy="11675"/>
+            </a:xfrm>
+            <a:prstGeom prst="straightConnector1">
+              <a:avLst/>
+            </a:prstGeom>
+            <a:ln w="15875">
+              <a:solidFill>
+                <a:schemeClr val="tx1"/>
+              </a:solidFill>
+              <a:tailEnd type="triangle"/>
+            </a:ln>
+          </p:spPr>
+          <p:style>
+            <a:lnRef idx="1">
+              <a:schemeClr val="accent1"/>
+            </a:lnRef>
+            <a:fillRef idx="0">
+              <a:schemeClr val="accent1"/>
+            </a:fillRef>
+            <a:effectRef idx="0">
+              <a:schemeClr val="accent1"/>
+            </a:effectRef>
+            <a:fontRef idx="minor">
+              <a:schemeClr val="tx1"/>
+            </a:fontRef>
+          </p:style>
+        </p:cxnSp>
+        <p:cxnSp>
+          <p:nvCxnSpPr>
+            <p:cNvPr id="148" name="Straight Connector 147">
+              <a:extLst>
+                <a:ext uri="{FF2B5EF4-FFF2-40B4-BE49-F238E27FC236}">
+                  <a16:creationId xmlns:a16="http://schemas.microsoft.com/office/drawing/2014/main" id="{94F129CD-5F2E-4B9D-AA29-B0E14DC989FE}"/>
+                </a:ext>
+              </a:extLst>
+            </p:cNvPr>
+            <p:cNvCxnSpPr>
+              <a:cxnSpLocks/>
+            </p:cNvCxnSpPr>
+            <p:nvPr/>
+          </p:nvCxnSpPr>
+          <p:spPr>
+            <a:xfrm flipH="1">
+              <a:off x="10151433" y="5912432"/>
+              <a:ext cx="1" cy="673095"/>
+            </a:xfrm>
+            <a:prstGeom prst="line">
+              <a:avLst/>
+            </a:prstGeom>
+            <a:ln w="15875">
+              <a:solidFill>
+                <a:schemeClr val="tx1"/>
+              </a:solidFill>
+            </a:ln>
+          </p:spPr>
+          <p:style>
+            <a:lnRef idx="1">
+              <a:schemeClr val="accent1"/>
+            </a:lnRef>
+            <a:fillRef idx="0">
+              <a:schemeClr val="accent1"/>
+            </a:fillRef>
+            <a:effectRef idx="0">
+              <a:schemeClr val="accent1"/>
+            </a:effectRef>
+            <a:fontRef idx="minor">
+              <a:schemeClr val="tx1"/>
+            </a:fontRef>
+          </p:style>
+        </p:cxnSp>
+        <p:sp>
+          <p:nvSpPr>
+            <p:cNvPr id="157" name="TextBox 156">
+              <a:extLst>
+                <a:ext uri="{FF2B5EF4-FFF2-40B4-BE49-F238E27FC236}">
+                  <a16:creationId xmlns:a16="http://schemas.microsoft.com/office/drawing/2014/main" id="{54A81D52-DFBB-428D-89E9-46DF68DF0767}"/>
+                </a:ext>
+              </a:extLst>
+            </p:cNvPr>
+            <p:cNvSpPr txBox="1"/>
+            <p:nvPr/>
+          </p:nvSpPr>
+          <p:spPr>
+            <a:xfrm>
+              <a:off x="997462" y="1523243"/>
+              <a:ext cx="665018" cy="307777"/>
+            </a:xfrm>
+            <a:prstGeom prst="rect">
+              <a:avLst/>
+            </a:prstGeom>
+            <a:noFill/>
+          </p:spPr>
+          <p:txBody>
+            <a:bodyPr wrap="square" rtlCol="0">
+              <a:spAutoFit/>
+            </a:bodyPr>
+            <a:lstStyle/>
+            <a:p>
+              <a:r>
+                <a:rPr lang="en-US" altLang="zh-CN" sz="1400" dirty="0">
+                  <a:latin typeface="Times New Roman" panose="02020603050405020304" pitchFamily="18" charset="0"/>
+                  <a:cs typeface="Times New Roman" panose="02020603050405020304" pitchFamily="18" charset="0"/>
+                </a:rPr>
+                <a:t>N</a:t>
+              </a:r>
+              <a:endParaRPr lang="zh-CN" altLang="en-US" dirty="0">
+                <a:latin typeface="Times New Roman" panose="02020603050405020304" pitchFamily="18" charset="0"/>
+                <a:cs typeface="Times New Roman" panose="02020603050405020304" pitchFamily="18" charset="0"/>
+              </a:endParaRPr>
+            </a:p>
+          </p:txBody>
+        </p:sp>
+        <p:sp>
+          <p:nvSpPr>
+            <p:cNvPr id="159" name="TextBox 158">
+              <a:extLst>
+                <a:ext uri="{FF2B5EF4-FFF2-40B4-BE49-F238E27FC236}">
+                  <a16:creationId xmlns:a16="http://schemas.microsoft.com/office/drawing/2014/main" id="{18D37556-603D-4230-80E5-337D9CC881FC}"/>
+                </a:ext>
+              </a:extLst>
+            </p:cNvPr>
+            <p:cNvSpPr txBox="1"/>
+            <p:nvPr/>
+          </p:nvSpPr>
+          <p:spPr>
+            <a:xfrm>
+              <a:off x="6273509" y="5962772"/>
+              <a:ext cx="665018" cy="307777"/>
+            </a:xfrm>
+            <a:prstGeom prst="rect">
+              <a:avLst/>
+            </a:prstGeom>
+            <a:noFill/>
+          </p:spPr>
+          <p:txBody>
+            <a:bodyPr wrap="square" rtlCol="0">
+              <a:spAutoFit/>
+            </a:bodyPr>
+            <a:lstStyle/>
+            <a:p>
+              <a:r>
+                <a:rPr lang="en-US" altLang="zh-CN" sz="1400" dirty="0">
+                  <a:latin typeface="Times New Roman" panose="02020603050405020304" pitchFamily="18" charset="0"/>
+                  <a:cs typeface="Times New Roman" panose="02020603050405020304" pitchFamily="18" charset="0"/>
+                </a:rPr>
+                <a:t>N</a:t>
+              </a:r>
+              <a:endParaRPr lang="zh-CN" altLang="en-US" dirty="0">
+                <a:latin typeface="Times New Roman" panose="02020603050405020304" pitchFamily="18" charset="0"/>
+                <a:cs typeface="Times New Roman" panose="02020603050405020304" pitchFamily="18" charset="0"/>
+              </a:endParaRPr>
+            </a:p>
+          </p:txBody>
+        </p:sp>
+      </p:grpSp>
+    </p:spTree>
+    <p:extLst>
+      <p:ext uri="{BB962C8B-B14F-4D97-AF65-F5344CB8AC3E}">
+        <p14:creationId xmlns:p14="http://schemas.microsoft.com/office/powerpoint/2010/main" val="2961232096"/>
+      </p:ext>
+    </p:extLst>
+  </p:cSld>
+  <p:clrMapOvr>
+    <a:masterClrMapping/>
+  </p:clrMapOvr>
+</p:sld>
+</file>
+
+<file path=ppt/slides/slide2.xml><?xml version="1.0" encoding="utf-8"?>
+<p:sld xmlns:a="http://schemas.openxmlformats.org/drawingml/2006/main" xmlns:r="http://schemas.openxmlformats.org/officeDocument/2006/relationships" xmlns:p="http://schemas.openxmlformats.org/presentationml/2006/main">
+  <p:cSld>
     <p:spTree>
       <p:nvGrpSpPr>
         <p:cNvPr id="1" name=""/>
@@ -3406,6 +5654,457 @@
           <a:p>
             <a:pPr algn="ctr"/>
             <a:r>
+              <a:rPr lang="en-US" altLang="zh-CN" dirty="0">
+                <a:solidFill>
+                  <a:schemeClr val="tx1"/>
+                </a:solidFill>
+                <a:latin typeface="Times New Roman" panose="02020603050405020304" pitchFamily="18" charset="0"/>
+                <a:cs typeface="Times New Roman" panose="02020603050405020304" pitchFamily="18" charset="0"/>
+              </a:rPr>
+              <a:t>Prediction of Performance / False Sharing</a:t>
+            </a:r>
+            <a:endParaRPr lang="zh-CN" altLang="en-US" dirty="0">
+              <a:solidFill>
+                <a:schemeClr val="tx1"/>
+              </a:solidFill>
+              <a:latin typeface="Times New Roman" panose="02020603050405020304" pitchFamily="18" charset="0"/>
+              <a:cs typeface="Times New Roman" panose="02020603050405020304" pitchFamily="18" charset="0"/>
+            </a:endParaRPr>
+          </a:p>
+        </p:txBody>
+      </p:sp>
+      <p:sp>
+        <p:nvSpPr>
+          <p:cNvPr id="43" name="Rectangle 42">
+            <a:extLst>
+              <a:ext uri="{FF2B5EF4-FFF2-40B4-BE49-F238E27FC236}">
+                <a16:creationId xmlns:a16="http://schemas.microsoft.com/office/drawing/2014/main" id="{C88DF3C5-92F1-41E1-930E-0AAEC16E07F6}"/>
+              </a:ext>
+            </a:extLst>
+          </p:cNvPr>
+          <p:cNvSpPr/>
+          <p:nvPr/>
+        </p:nvSpPr>
+        <p:spPr>
+          <a:xfrm>
+            <a:off x="3126175" y="3429000"/>
+            <a:ext cx="3172509" cy="541268"/>
+          </a:xfrm>
+          <a:prstGeom prst="rect">
+            <a:avLst/>
+          </a:prstGeom>
+          <a:solidFill>
+            <a:schemeClr val="bg1"/>
+          </a:solidFill>
+          <a:ln w="22225">
+            <a:solidFill>
+              <a:schemeClr val="tx1"/>
+            </a:solidFill>
+          </a:ln>
+        </p:spPr>
+        <p:style>
+          <a:lnRef idx="2">
+            <a:schemeClr val="accent1">
+              <a:shade val="50000"/>
+            </a:schemeClr>
+          </a:lnRef>
+          <a:fillRef idx="1">
+            <a:schemeClr val="accent1"/>
+          </a:fillRef>
+          <a:effectRef idx="0">
+            <a:schemeClr val="accent1"/>
+          </a:effectRef>
+          <a:fontRef idx="minor">
+            <a:schemeClr val="lt1"/>
+          </a:fontRef>
+        </p:style>
+        <p:txBody>
+          <a:bodyPr rtlCol="0" anchor="ctr"/>
+          <a:lstStyle/>
+          <a:p>
+            <a:pPr algn="ctr"/>
+            <a:r>
+              <a:rPr lang="en-US" altLang="zh-CN" dirty="0">
+                <a:solidFill>
+                  <a:schemeClr val="tx1"/>
+                </a:solidFill>
+                <a:latin typeface="Times New Roman" panose="02020603050405020304" pitchFamily="18" charset="0"/>
+                <a:cs typeface="Times New Roman" panose="02020603050405020304" pitchFamily="18" charset="0"/>
+              </a:rPr>
+              <a:t>Optimization Completed</a:t>
+            </a:r>
+            <a:endParaRPr lang="zh-CN" altLang="en-US" dirty="0">
+              <a:solidFill>
+                <a:schemeClr val="tx1"/>
+              </a:solidFill>
+              <a:latin typeface="Times New Roman" panose="02020603050405020304" pitchFamily="18" charset="0"/>
+              <a:cs typeface="Times New Roman" panose="02020603050405020304" pitchFamily="18" charset="0"/>
+            </a:endParaRPr>
+          </a:p>
+        </p:txBody>
+      </p:sp>
+      <p:sp>
+        <p:nvSpPr>
+          <p:cNvPr id="45" name="Rectangle 44">
+            <a:extLst>
+              <a:ext uri="{FF2B5EF4-FFF2-40B4-BE49-F238E27FC236}">
+                <a16:creationId xmlns:a16="http://schemas.microsoft.com/office/drawing/2014/main" id="{C4EC314E-1337-472F-9752-BF33823EF2A3}"/>
+              </a:ext>
+            </a:extLst>
+          </p:cNvPr>
+          <p:cNvSpPr/>
+          <p:nvPr/>
+        </p:nvSpPr>
+        <p:spPr>
+          <a:xfrm>
+            <a:off x="2432934" y="1581621"/>
+            <a:ext cx="4558990" cy="541268"/>
+          </a:xfrm>
+          <a:prstGeom prst="rect">
+            <a:avLst/>
+          </a:prstGeom>
+          <a:solidFill>
+            <a:schemeClr val="bg1"/>
+          </a:solidFill>
+          <a:ln w="22225">
+            <a:solidFill>
+              <a:schemeClr val="tx1"/>
+            </a:solidFill>
+          </a:ln>
+        </p:spPr>
+        <p:style>
+          <a:lnRef idx="2">
+            <a:schemeClr val="accent1">
+              <a:shade val="50000"/>
+            </a:schemeClr>
+          </a:lnRef>
+          <a:fillRef idx="1">
+            <a:schemeClr val="accent1"/>
+          </a:fillRef>
+          <a:effectRef idx="0">
+            <a:schemeClr val="accent1"/>
+          </a:effectRef>
+          <a:fontRef idx="minor">
+            <a:schemeClr val="lt1"/>
+          </a:fontRef>
+        </p:style>
+        <p:txBody>
+          <a:bodyPr rtlCol="0" anchor="ctr"/>
+          <a:lstStyle/>
+          <a:p>
+            <a:pPr algn="ctr"/>
+            <a:r>
+              <a:rPr lang="en-US" altLang="zh-CN" dirty="0">
+                <a:solidFill>
+                  <a:schemeClr val="tx1"/>
+                </a:solidFill>
+                <a:latin typeface="Times New Roman" panose="02020603050405020304" pitchFamily="18" charset="0"/>
+                <a:cs typeface="Times New Roman" panose="02020603050405020304" pitchFamily="18" charset="0"/>
+              </a:rPr>
+              <a:t>Instruction Numbers of Allocations</a:t>
+            </a:r>
+            <a:endParaRPr lang="zh-CN" altLang="en-US" dirty="0">
+              <a:solidFill>
+                <a:schemeClr val="tx1"/>
+              </a:solidFill>
+              <a:latin typeface="Times New Roman" panose="02020603050405020304" pitchFamily="18" charset="0"/>
+              <a:cs typeface="Times New Roman" panose="02020603050405020304" pitchFamily="18" charset="0"/>
+            </a:endParaRPr>
+          </a:p>
+        </p:txBody>
+      </p:sp>
+      <p:cxnSp>
+        <p:nvCxnSpPr>
+          <p:cNvPr id="47" name="Straight Arrow Connector 46">
+            <a:extLst>
+              <a:ext uri="{FF2B5EF4-FFF2-40B4-BE49-F238E27FC236}">
+                <a16:creationId xmlns:a16="http://schemas.microsoft.com/office/drawing/2014/main" id="{DA825557-D084-40CB-90F1-3D535665B1A3}"/>
+              </a:ext>
+            </a:extLst>
+          </p:cNvPr>
+          <p:cNvCxnSpPr>
+            <a:stCxn id="5" idx="2"/>
+            <a:endCxn id="45" idx="0"/>
+          </p:cNvCxnSpPr>
+          <p:nvPr/>
+        </p:nvCxnSpPr>
+        <p:spPr>
+          <a:xfrm flipH="1">
+            <a:off x="4712429" y="1207897"/>
+            <a:ext cx="3" cy="373724"/>
+          </a:xfrm>
+          <a:prstGeom prst="straightConnector1">
+            <a:avLst/>
+          </a:prstGeom>
+          <a:ln w="15875">
+            <a:solidFill>
+              <a:schemeClr val="tx1"/>
+            </a:solidFill>
+            <a:tailEnd type="triangle"/>
+          </a:ln>
+        </p:spPr>
+        <p:style>
+          <a:lnRef idx="1">
+            <a:schemeClr val="accent1"/>
+          </a:lnRef>
+          <a:fillRef idx="0">
+            <a:schemeClr val="accent1"/>
+          </a:fillRef>
+          <a:effectRef idx="0">
+            <a:schemeClr val="accent1"/>
+          </a:effectRef>
+          <a:fontRef idx="minor">
+            <a:schemeClr val="tx1"/>
+          </a:fontRef>
+        </p:style>
+      </p:cxnSp>
+      <p:cxnSp>
+        <p:nvCxnSpPr>
+          <p:cNvPr id="50" name="Straight Arrow Connector 49">
+            <a:extLst>
+              <a:ext uri="{FF2B5EF4-FFF2-40B4-BE49-F238E27FC236}">
+                <a16:creationId xmlns:a16="http://schemas.microsoft.com/office/drawing/2014/main" id="{101DB78C-B938-420C-A693-2138DDAD1344}"/>
+              </a:ext>
+            </a:extLst>
+          </p:cNvPr>
+          <p:cNvCxnSpPr>
+            <a:cxnSpLocks/>
+          </p:cNvCxnSpPr>
+          <p:nvPr/>
+        </p:nvCxnSpPr>
+        <p:spPr>
+          <a:xfrm>
+            <a:off x="4712431" y="2130004"/>
+            <a:ext cx="1" cy="380840"/>
+          </a:xfrm>
+          <a:prstGeom prst="straightConnector1">
+            <a:avLst/>
+          </a:prstGeom>
+          <a:ln w="15875">
+            <a:solidFill>
+              <a:schemeClr val="tx1"/>
+            </a:solidFill>
+            <a:tailEnd type="triangle"/>
+          </a:ln>
+        </p:spPr>
+        <p:style>
+          <a:lnRef idx="1">
+            <a:schemeClr val="accent1"/>
+          </a:lnRef>
+          <a:fillRef idx="0">
+            <a:schemeClr val="accent1"/>
+          </a:fillRef>
+          <a:effectRef idx="0">
+            <a:schemeClr val="accent1"/>
+          </a:effectRef>
+          <a:fontRef idx="minor">
+            <a:schemeClr val="tx1"/>
+          </a:fontRef>
+        </p:style>
+      </p:cxnSp>
+      <p:sp>
+        <p:nvSpPr>
+          <p:cNvPr id="83" name="Rectangle 82">
+            <a:extLst>
+              <a:ext uri="{FF2B5EF4-FFF2-40B4-BE49-F238E27FC236}">
+                <a16:creationId xmlns:a16="http://schemas.microsoft.com/office/drawing/2014/main" id="{32315DB6-9CDD-46C0-AF00-5308BB8B0F97}"/>
+              </a:ext>
+            </a:extLst>
+          </p:cNvPr>
+          <p:cNvSpPr/>
+          <p:nvPr/>
+        </p:nvSpPr>
+        <p:spPr>
+          <a:xfrm>
+            <a:off x="2432936" y="2498723"/>
+            <a:ext cx="4558990" cy="541268"/>
+          </a:xfrm>
+          <a:prstGeom prst="rect">
+            <a:avLst/>
+          </a:prstGeom>
+          <a:solidFill>
+            <a:schemeClr val="bg1"/>
+          </a:solidFill>
+          <a:ln w="22225">
+            <a:solidFill>
+              <a:schemeClr val="tx1"/>
+            </a:solidFill>
+          </a:ln>
+        </p:spPr>
+        <p:style>
+          <a:lnRef idx="2">
+            <a:schemeClr val="accent1">
+              <a:shade val="50000"/>
+            </a:schemeClr>
+          </a:lnRef>
+          <a:fillRef idx="1">
+            <a:schemeClr val="accent1"/>
+          </a:fillRef>
+          <a:effectRef idx="0">
+            <a:schemeClr val="accent1"/>
+          </a:effectRef>
+          <a:fontRef idx="minor">
+            <a:schemeClr val="lt1"/>
+          </a:fontRef>
+        </p:style>
+        <p:txBody>
+          <a:bodyPr rtlCol="0" anchor="ctr"/>
+          <a:lstStyle/>
+          <a:p>
+            <a:pPr algn="ctr"/>
+            <a:r>
+              <a:rPr lang="en-US" altLang="zh-CN" dirty="0">
+                <a:solidFill>
+                  <a:schemeClr val="tx1"/>
+                </a:solidFill>
+                <a:latin typeface="Times New Roman" panose="02020603050405020304" pitchFamily="18" charset="0"/>
+                <a:cs typeface="Times New Roman" panose="02020603050405020304" pitchFamily="18" charset="0"/>
+              </a:rPr>
+              <a:t>Cycles of Lock Contention / System Call</a:t>
+            </a:r>
+            <a:endParaRPr lang="zh-CN" altLang="en-US" dirty="0">
+              <a:solidFill>
+                <a:schemeClr val="tx1"/>
+              </a:solidFill>
+              <a:latin typeface="Times New Roman" panose="02020603050405020304" pitchFamily="18" charset="0"/>
+              <a:cs typeface="Times New Roman" panose="02020603050405020304" pitchFamily="18" charset="0"/>
+            </a:endParaRPr>
+          </a:p>
+        </p:txBody>
+      </p:sp>
+      <p:cxnSp>
+        <p:nvCxnSpPr>
+          <p:cNvPr id="86" name="Straight Arrow Connector 85">
+            <a:extLst>
+              <a:ext uri="{FF2B5EF4-FFF2-40B4-BE49-F238E27FC236}">
+                <a16:creationId xmlns:a16="http://schemas.microsoft.com/office/drawing/2014/main" id="{723C0375-8F5B-49E7-9A58-07702DF82C95}"/>
+              </a:ext>
+            </a:extLst>
+          </p:cNvPr>
+          <p:cNvCxnSpPr>
+            <a:cxnSpLocks/>
+          </p:cNvCxnSpPr>
+          <p:nvPr/>
+        </p:nvCxnSpPr>
+        <p:spPr>
+          <a:xfrm flipH="1">
+            <a:off x="4712430" y="3054221"/>
+            <a:ext cx="1" cy="374779"/>
+          </a:xfrm>
+          <a:prstGeom prst="straightConnector1">
+            <a:avLst/>
+          </a:prstGeom>
+          <a:ln w="15875">
+            <a:solidFill>
+              <a:schemeClr val="tx1"/>
+            </a:solidFill>
+            <a:tailEnd type="triangle"/>
+          </a:ln>
+        </p:spPr>
+        <p:style>
+          <a:lnRef idx="1">
+            <a:schemeClr val="accent1"/>
+          </a:lnRef>
+          <a:fillRef idx="0">
+            <a:schemeClr val="accent1"/>
+          </a:fillRef>
+          <a:effectRef idx="0">
+            <a:schemeClr val="accent1"/>
+          </a:effectRef>
+          <a:fontRef idx="minor">
+            <a:schemeClr val="tx1"/>
+          </a:fontRef>
+        </p:style>
+      </p:cxnSp>
+    </p:spTree>
+    <p:extLst>
+      <p:ext uri="{BB962C8B-B14F-4D97-AF65-F5344CB8AC3E}">
+        <p14:creationId xmlns:p14="http://schemas.microsoft.com/office/powerpoint/2010/main" val="651315108"/>
+      </p:ext>
+    </p:extLst>
+  </p:cSld>
+  <p:clrMapOvr>
+    <a:masterClrMapping/>
+  </p:clrMapOvr>
+</p:sld>
+</file>
+
+<file path=ppt/slides/slide3.xml><?xml version="1.0" encoding="utf-8"?>
+<p:sld xmlns:a="http://schemas.openxmlformats.org/drawingml/2006/main" xmlns:r="http://schemas.openxmlformats.org/officeDocument/2006/relationships" xmlns:p="http://schemas.openxmlformats.org/presentationml/2006/main">
+  <p:cSld>
+    <p:bg>
+      <p:bgPr>
+        <a:solidFill>
+          <a:schemeClr val="bg1"/>
+        </a:solidFill>
+        <a:effectLst/>
+      </p:bgPr>
+    </p:bg>
+    <p:spTree>
+      <p:nvGrpSpPr>
+        <p:cNvPr id="1" name=""/>
+        <p:cNvGrpSpPr/>
+        <p:nvPr/>
+      </p:nvGrpSpPr>
+      <p:grpSpPr>
+        <a:xfrm>
+          <a:off x="0" y="0"/>
+          <a:ext cx="0" cy="0"/>
+          <a:chOff x="0" y="0"/>
+          <a:chExt cx="0" cy="0"/>
+        </a:xfrm>
+      </p:grpSpPr>
+      <p:sp>
+        <p:nvSpPr>
+          <p:cNvPr id="5" name="Rectangle 4">
+            <a:extLst>
+              <a:ext uri="{FF2B5EF4-FFF2-40B4-BE49-F238E27FC236}">
+                <a16:creationId xmlns:a16="http://schemas.microsoft.com/office/drawing/2014/main" id="{F629C3EE-7814-43EA-9A37-22896C2B1123}"/>
+              </a:ext>
+            </a:extLst>
+          </p:cNvPr>
+          <p:cNvSpPr/>
+          <p:nvPr/>
+        </p:nvSpPr>
+        <p:spPr>
+          <a:xfrm>
+            <a:off x="2432937" y="666629"/>
+            <a:ext cx="4558990" cy="541268"/>
+          </a:xfrm>
+          <a:prstGeom prst="rect">
+            <a:avLst/>
+          </a:prstGeom>
+          <a:solidFill>
+            <a:schemeClr val="bg1"/>
+          </a:solidFill>
+          <a:ln w="22225">
+            <a:solidFill>
+              <a:schemeClr val="tx1"/>
+            </a:solidFill>
+          </a:ln>
+        </p:spPr>
+        <p:style>
+          <a:lnRef idx="2">
+            <a:schemeClr val="accent1">
+              <a:shade val="50000"/>
+            </a:schemeClr>
+          </a:lnRef>
+          <a:fillRef idx="1">
+            <a:schemeClr val="accent1"/>
+          </a:fillRef>
+          <a:effectRef idx="0">
+            <a:schemeClr val="accent1"/>
+          </a:effectRef>
+          <a:fontRef idx="minor">
+            <a:schemeClr val="lt1"/>
+          </a:fontRef>
+        </p:style>
+        <p:txBody>
+          <a:bodyPr rtlCol="0" anchor="ctr"/>
+          <a:lstStyle/>
+          <a:p>
+            <a:pPr algn="ctr"/>
+            <a:r>
               <a:rPr lang="en-US" altLang="zh-CN" sz="1400" dirty="0">
                 <a:solidFill>
                   <a:schemeClr val="tx1"/>
@@ -3413,7 +6112,27 @@
                 <a:latin typeface="Times New Roman" panose="02020603050405020304" pitchFamily="18" charset="0"/>
                 <a:cs typeface="Times New Roman" panose="02020603050405020304" pitchFamily="18" charset="0"/>
               </a:rPr>
-              <a:t>Does mmprof report a potential performance improvement, or any active/passive false sharing issue?</a:t>
+              <a:t>Does </a:t>
+            </a:r>
+            <a:r>
+              <a:rPr lang="en-US" altLang="zh-CN" sz="1400" dirty="0" err="1">
+                <a:solidFill>
+                  <a:schemeClr val="tx1"/>
+                </a:solidFill>
+                <a:latin typeface="Times New Roman" panose="02020603050405020304" pitchFamily="18" charset="0"/>
+                <a:cs typeface="Times New Roman" panose="02020603050405020304" pitchFamily="18" charset="0"/>
+              </a:rPr>
+              <a:t>mmprof</a:t>
+            </a:r>
+            <a:r>
+              <a:rPr lang="en-US" altLang="zh-CN" sz="1400" dirty="0">
+                <a:solidFill>
+                  <a:schemeClr val="tx1"/>
+                </a:solidFill>
+                <a:latin typeface="Times New Roman" panose="02020603050405020304" pitchFamily="18" charset="0"/>
+                <a:cs typeface="Times New Roman" panose="02020603050405020304" pitchFamily="18" charset="0"/>
+              </a:rPr>
+              <a:t> report a potential performance improvement, or any active/passive false sharing issue?</a:t>
             </a:r>
             <a:endParaRPr lang="zh-CN" altLang="en-US" sz="1400" dirty="0">
               <a:solidFill>
@@ -3838,27 +6557,7 @@
                 <a:latin typeface="Times New Roman" panose="02020603050405020304" pitchFamily="18" charset="0"/>
                 <a:cs typeface="Times New Roman" panose="02020603050405020304" pitchFamily="18" charset="0"/>
               </a:rPr>
-              <a:t>Fix the issue until mmprof reports no active/passive false </a:t>
-            </a:r>
-            <a:r>
-              <a:rPr lang="en-US" altLang="zh-CN" sz="1400">
-                <a:solidFill>
-                  <a:schemeClr val="tx1"/>
-                </a:solidFill>
-                <a:latin typeface="Times New Roman" panose="02020603050405020304" pitchFamily="18" charset="0"/>
-                <a:cs typeface="Times New Roman" panose="02020603050405020304" pitchFamily="18" charset="0"/>
-              </a:rPr>
-              <a:t>sharing issue </a:t>
-            </a:r>
-            <a:r>
-              <a:rPr lang="en-US" altLang="zh-CN" sz="1400" dirty="0">
-                <a:solidFill>
-                  <a:schemeClr val="tx1"/>
-                </a:solidFill>
-                <a:latin typeface="Times New Roman" panose="02020603050405020304" pitchFamily="18" charset="0"/>
-                <a:cs typeface="Times New Roman" panose="02020603050405020304" pitchFamily="18" charset="0"/>
-              </a:rPr>
-              <a:t>on cache-thrash and cache-scratch</a:t>
+              <a:t>Fix the issue until mmprof reports no active/passive false sharing issue on cache-thrash and cache-scratch</a:t>
             </a:r>
             <a:endParaRPr lang="zh-CN" altLang="en-US" sz="1400" dirty="0">
               <a:solidFill>
